--- a/Into To ML/Kaggle - Into to ML.pptx
+++ b/Into To ML/Kaggle - Into to ML.pptx
@@ -13,6 +13,8 @@
     <p:sldId id="262" r:id="rId7"/>
     <p:sldId id="263" r:id="rId8"/>
     <p:sldId id="264" r:id="rId9"/>
+    <p:sldId id="265" r:id="rId10"/>
+    <p:sldId id="266" r:id="rId11"/>
   </p:sldIdLst>
   <p:sldSz cx="12192000" cy="6858000"/>
   <p:notesSz cx="6858000" cy="9144000"/>
@@ -7091,14 +7093,14 @@
           <a:p>
             <a:pPr algn="l"/>
             <a:r>
-              <a:rPr lang="en-US" sz="8100"/>
+              <a:rPr lang="en-US" sz="8100" dirty="0"/>
               <a:t>Kaggle</a:t>
             </a:r>
             <a:br>
-              <a:rPr lang="en-US" sz="8100"/>
+              <a:rPr lang="en-US" sz="8100" dirty="0"/>
             </a:br>
             <a:r>
-              <a:rPr lang="en-US" sz="8100"/>
+              <a:rPr lang="en-US" sz="8100" dirty="0"/>
               <a:t>Intro to Machine Learning </a:t>
             </a:r>
           </a:p>
@@ -7206,6 +7208,481 @@
       <p:bldP spid="2" grpId="0"/>
     </p:bldLst>
   </p:timing>
+</p:sld>
+</file>
+
+<file path=ppt/slides/slide10.xml><?xml version="1.0" encoding="utf-8"?>
+<p:sld xmlns:a="http://schemas.openxmlformats.org/drawingml/2006/main" xmlns:r="http://schemas.openxmlformats.org/officeDocument/2006/relationships" xmlns:p="http://schemas.openxmlformats.org/presentationml/2006/main">
+  <p:cSld>
+    <p:bg>
+      <p:bgPr>
+        <a:solidFill>
+          <a:schemeClr val="bg1"/>
+        </a:solidFill>
+        <a:effectLst/>
+      </p:bgPr>
+    </p:bg>
+    <p:spTree>
+      <p:nvGrpSpPr>
+        <p:cNvPr id="1" name=""/>
+        <p:cNvGrpSpPr/>
+        <p:nvPr/>
+      </p:nvGrpSpPr>
+      <p:grpSpPr>
+        <a:xfrm>
+          <a:off x="0" y="0"/>
+          <a:ext cx="0" cy="0"/>
+          <a:chOff x="0" y="0"/>
+          <a:chExt cx="0" cy="0"/>
+        </a:xfrm>
+      </p:grpSpPr>
+      <p:sp useBgFill="1">
+        <p:nvSpPr>
+          <p:cNvPr id="8" name="Rectangle 7">
+            <a:extLst>
+              <a:ext uri="{FF2B5EF4-FFF2-40B4-BE49-F238E27FC236}">
+                <a16:creationId xmlns:a16="http://schemas.microsoft.com/office/drawing/2014/main" id="{DAF1966E-FD40-4A4A-B61B-C4DF7FA05F06}"/>
+              </a:ext>
+              <a:ext uri="{C183D7F6-B498-43B3-948B-1728B52AA6E4}">
+                <adec:decorative xmlns:adec="http://schemas.microsoft.com/office/drawing/2017/decorative" val="1"/>
+              </a:ext>
+            </a:extLst>
+          </p:cNvPr>
+          <p:cNvSpPr>
+            <a:spLocks noGrp="1" noRot="1" noChangeAspect="1" noMove="1" noResize="1" noEditPoints="1" noAdjustHandles="1" noChangeArrowheads="1" noChangeShapeType="1" noTextEdit="1"/>
+          </p:cNvSpPr>
+          <p:nvPr>
+            <p:extLst>
+              <p:ext uri="{386F3935-93C4-4BCD-93E2-E3B085C9AB24}">
+                <p16:designElem xmlns:p16="http://schemas.microsoft.com/office/powerpoint/2015/main" val="1"/>
+              </p:ext>
+            </p:extLst>
+          </p:nvPr>
+        </p:nvSpPr>
+        <p:spPr>
+          <a:xfrm>
+            <a:off x="0" y="0"/>
+            <a:ext cx="12192000" cy="6858000"/>
+          </a:xfrm>
+          <a:prstGeom prst="rect">
+            <a:avLst/>
+          </a:prstGeom>
+          <a:ln>
+            <a:noFill/>
+          </a:ln>
+        </p:spPr>
+        <p:style>
+          <a:lnRef idx="2">
+            <a:schemeClr val="accent1">
+              <a:shade val="50000"/>
+            </a:schemeClr>
+          </a:lnRef>
+          <a:fillRef idx="1">
+            <a:schemeClr val="accent1"/>
+          </a:fillRef>
+          <a:effectRef idx="0">
+            <a:schemeClr val="accent1"/>
+          </a:effectRef>
+          <a:fontRef idx="minor">
+            <a:schemeClr val="lt1"/>
+          </a:fontRef>
+        </p:style>
+        <p:txBody>
+          <a:bodyPr rtlCol="0" anchor="ctr"/>
+          <a:lstStyle/>
+          <a:p>
+            <a:pPr algn="ctr"/>
+            <a:endParaRPr lang="en-US"/>
+          </a:p>
+        </p:txBody>
+      </p:sp>
+      <p:sp useBgFill="1">
+        <p:nvSpPr>
+          <p:cNvPr id="10" name="Rectangle 9">
+            <a:extLst>
+              <a:ext uri="{FF2B5EF4-FFF2-40B4-BE49-F238E27FC236}">
+                <a16:creationId xmlns:a16="http://schemas.microsoft.com/office/drawing/2014/main" id="{047BFA19-D45E-416B-A404-7AF2F3F27017}"/>
+              </a:ext>
+              <a:ext uri="{C183D7F6-B498-43B3-948B-1728B52AA6E4}">
+                <adec:decorative xmlns:adec="http://schemas.microsoft.com/office/drawing/2017/decorative" val="1"/>
+              </a:ext>
+            </a:extLst>
+          </p:cNvPr>
+          <p:cNvSpPr>
+            <a:spLocks noGrp="1" noRot="1" noChangeAspect="1" noMove="1" noResize="1" noEditPoints="1" noAdjustHandles="1" noChangeArrowheads="1" noChangeShapeType="1" noTextEdit="1"/>
+          </p:cNvSpPr>
+          <p:nvPr>
+            <p:extLst>
+              <p:ext uri="{386F3935-93C4-4BCD-93E2-E3B085C9AB24}">
+                <p16:designElem xmlns:p16="http://schemas.microsoft.com/office/powerpoint/2015/main" val="1"/>
+              </p:ext>
+            </p:extLst>
+          </p:nvPr>
+        </p:nvSpPr>
+        <p:spPr>
+          <a:xfrm>
+            <a:off x="558209" y="0"/>
+            <a:ext cx="11167447" cy="2018806"/>
+          </a:xfrm>
+          <a:prstGeom prst="rect">
+            <a:avLst/>
+          </a:prstGeom>
+          <a:ln w="9525">
+            <a:solidFill>
+              <a:srgbClr val="E1E1E1"/>
+            </a:solidFill>
+          </a:ln>
+          <a:effectLst>
+            <a:outerShdw blurRad="50800" dist="38100" dir="2700000" algn="tl" rotWithShape="0">
+              <a:schemeClr val="bg1">
+                <a:lumMod val="85000"/>
+                <a:alpha val="50000"/>
+              </a:schemeClr>
+            </a:outerShdw>
+          </a:effectLst>
+        </p:spPr>
+        <p:style>
+          <a:lnRef idx="2">
+            <a:schemeClr val="accent1">
+              <a:shade val="50000"/>
+            </a:schemeClr>
+          </a:lnRef>
+          <a:fillRef idx="1">
+            <a:schemeClr val="accent1"/>
+          </a:fillRef>
+          <a:effectRef idx="0">
+            <a:schemeClr val="accent1"/>
+          </a:effectRef>
+          <a:fontRef idx="minor">
+            <a:schemeClr val="lt1"/>
+          </a:fontRef>
+        </p:style>
+        <p:txBody>
+          <a:bodyPr rtlCol="0" anchor="ctr"/>
+          <a:lstStyle/>
+          <a:p>
+            <a:pPr marL="0" marR="0" lvl="0" indent="0" algn="ctr" defTabSz="914400" rtl="0" eaLnBrk="1" fontAlgn="auto" latinLnBrk="0" hangingPunct="1">
+              <a:lnSpc>
+                <a:spcPct val="100000"/>
+              </a:lnSpc>
+              <a:spcBef>
+                <a:spcPts val="0"/>
+              </a:spcBef>
+              <a:spcAft>
+                <a:spcPts val="0"/>
+              </a:spcAft>
+              <a:buClrTx/>
+              <a:buSzTx/>
+              <a:buFontTx/>
+              <a:buNone/>
+              <a:tabLst/>
+              <a:defRPr/>
+            </a:pPr>
+            <a:endParaRPr kumimoji="0" lang="en-US" sz="1800" b="0" i="0" u="none" strike="noStrike" kern="1200" cap="none" spc="0" normalizeH="0" baseline="0" noProof="0">
+              <a:ln>
+                <a:noFill/>
+              </a:ln>
+              <a:solidFill>
+                <a:prstClr val="white"/>
+              </a:solidFill>
+              <a:effectLst/>
+              <a:uLnTx/>
+              <a:uFillTx/>
+              <a:latin typeface="Calibri" panose="020F0502020204030204"/>
+              <a:ea typeface="+mn-ea"/>
+              <a:cs typeface="+mn-cs"/>
+            </a:endParaRPr>
+          </a:p>
+        </p:txBody>
+      </p:sp>
+      <p:sp useBgFill="1">
+        <p:nvSpPr>
+          <p:cNvPr id="12" name="Rectangle 11">
+            <a:extLst>
+              <a:ext uri="{FF2B5EF4-FFF2-40B4-BE49-F238E27FC236}">
+                <a16:creationId xmlns:a16="http://schemas.microsoft.com/office/drawing/2014/main" id="{8E0105E7-23DB-4CF2-8258-FF47C7620F6E}"/>
+              </a:ext>
+              <a:ext uri="{C183D7F6-B498-43B3-948B-1728B52AA6E4}">
+                <adec:decorative xmlns:adec="http://schemas.microsoft.com/office/drawing/2017/decorative" val="1"/>
+              </a:ext>
+            </a:extLst>
+          </p:cNvPr>
+          <p:cNvSpPr>
+            <a:spLocks noGrp="1" noRot="1" noChangeAspect="1" noMove="1" noResize="1" noEditPoints="1" noAdjustHandles="1" noChangeArrowheads="1" noChangeShapeType="1" noTextEdit="1"/>
+          </p:cNvSpPr>
+          <p:nvPr>
+            <p:extLst>
+              <p:ext uri="{386F3935-93C4-4BCD-93E2-E3B085C9AB24}">
+                <p16:designElem xmlns:p16="http://schemas.microsoft.com/office/powerpoint/2015/main" val="1"/>
+              </p:ext>
+            </p:extLst>
+          </p:nvPr>
+        </p:nvSpPr>
+        <p:spPr>
+          <a:xfrm>
+            <a:off x="566928" y="0"/>
+            <a:ext cx="11155680" cy="2011680"/>
+          </a:xfrm>
+          <a:prstGeom prst="rect">
+            <a:avLst/>
+          </a:prstGeom>
+          <a:ln w="9525">
+            <a:noFill/>
+          </a:ln>
+          <a:effectLst/>
+        </p:spPr>
+        <p:style>
+          <a:lnRef idx="2">
+            <a:schemeClr val="accent1">
+              <a:shade val="50000"/>
+            </a:schemeClr>
+          </a:lnRef>
+          <a:fillRef idx="1">
+            <a:schemeClr val="accent1"/>
+          </a:fillRef>
+          <a:effectRef idx="0">
+            <a:schemeClr val="accent1"/>
+          </a:effectRef>
+          <a:fontRef idx="minor">
+            <a:schemeClr val="lt1"/>
+          </a:fontRef>
+        </p:style>
+        <p:txBody>
+          <a:bodyPr rtlCol="0" anchor="ctr"/>
+          <a:lstStyle/>
+          <a:p>
+            <a:pPr marL="0" marR="0" lvl="0" indent="0" algn="ctr" defTabSz="914400" rtl="0" eaLnBrk="1" fontAlgn="auto" latinLnBrk="0" hangingPunct="1">
+              <a:lnSpc>
+                <a:spcPct val="100000"/>
+              </a:lnSpc>
+              <a:spcBef>
+                <a:spcPts val="0"/>
+              </a:spcBef>
+              <a:spcAft>
+                <a:spcPts val="0"/>
+              </a:spcAft>
+              <a:buClrTx/>
+              <a:buSzTx/>
+              <a:buFontTx/>
+              <a:buNone/>
+              <a:tabLst/>
+              <a:defRPr/>
+            </a:pPr>
+            <a:endParaRPr kumimoji="0" lang="en-US" sz="1800" b="0" i="0" u="none" strike="noStrike" kern="1200" cap="none" spc="0" normalizeH="0" baseline="0" noProof="0">
+              <a:ln>
+                <a:noFill/>
+              </a:ln>
+              <a:solidFill>
+                <a:prstClr val="white"/>
+              </a:solidFill>
+              <a:effectLst/>
+              <a:uLnTx/>
+              <a:uFillTx/>
+              <a:latin typeface="Calibri" panose="020F0502020204030204"/>
+              <a:ea typeface="+mn-ea"/>
+              <a:cs typeface="+mn-cs"/>
+            </a:endParaRPr>
+          </a:p>
+        </p:txBody>
+      </p:sp>
+      <p:sp>
+        <p:nvSpPr>
+          <p:cNvPr id="2" name="Title 1">
+            <a:extLst>
+              <a:ext uri="{FF2B5EF4-FFF2-40B4-BE49-F238E27FC236}">
+                <a16:creationId xmlns:a16="http://schemas.microsoft.com/office/drawing/2014/main" id="{5A8A891F-CB02-424D-9CEF-D95E1087F120}"/>
+              </a:ext>
+            </a:extLst>
+          </p:cNvPr>
+          <p:cNvSpPr>
+            <a:spLocks noGrp="1"/>
+          </p:cNvSpPr>
+          <p:nvPr>
+            <p:ph type="title"/>
+          </p:nvPr>
+        </p:nvSpPr>
+        <p:spPr>
+          <a:xfrm>
+            <a:off x="1115568" y="548640"/>
+            <a:ext cx="10168128" cy="1179576"/>
+          </a:xfrm>
+        </p:spPr>
+        <p:txBody>
+          <a:bodyPr>
+            <a:normAutofit/>
+          </a:bodyPr>
+          <a:lstStyle/>
+          <a:p>
+            <a:r>
+              <a:rPr lang="en-US" sz="4000" b="1"/>
+              <a:t>Underfitting and Overfitting</a:t>
+            </a:r>
+            <a:endParaRPr lang="en-US" sz="4000"/>
+          </a:p>
+        </p:txBody>
+      </p:sp>
+      <p:sp>
+        <p:nvSpPr>
+          <p:cNvPr id="14" name="Rectangle 13">
+            <a:extLst>
+              <a:ext uri="{FF2B5EF4-FFF2-40B4-BE49-F238E27FC236}">
+                <a16:creationId xmlns:a16="http://schemas.microsoft.com/office/drawing/2014/main" id="{074B4F7D-14B2-478B-8BF5-01E4E0C5D263}"/>
+              </a:ext>
+              <a:ext uri="{C183D7F6-B498-43B3-948B-1728B52AA6E4}">
+                <adec:decorative xmlns:adec="http://schemas.microsoft.com/office/drawing/2017/decorative" val="1"/>
+              </a:ext>
+            </a:extLst>
+          </p:cNvPr>
+          <p:cNvSpPr>
+            <a:spLocks noGrp="1" noRot="1" noChangeAspect="1" noMove="1" noResize="1" noEditPoints="1" noAdjustHandles="1" noChangeArrowheads="1" noChangeShapeType="1" noTextEdit="1"/>
+          </p:cNvSpPr>
+          <p:nvPr>
+            <p:extLst>
+              <p:ext uri="{386F3935-93C4-4BCD-93E2-E3B085C9AB24}">
+                <p16:designElem xmlns:p16="http://schemas.microsoft.com/office/powerpoint/2015/main" val="1"/>
+              </p:ext>
+            </p:extLst>
+          </p:nvPr>
+        </p:nvSpPr>
+        <p:spPr>
+          <a:xfrm>
+            <a:off x="498834" y="758952"/>
+            <a:ext cx="128016" cy="704088"/>
+          </a:xfrm>
+          <a:prstGeom prst="rect">
+            <a:avLst/>
+          </a:prstGeom>
+          <a:solidFill>
+            <a:schemeClr val="accent2"/>
+          </a:solidFill>
+          <a:ln>
+            <a:noFill/>
+          </a:ln>
+        </p:spPr>
+        <p:style>
+          <a:lnRef idx="2">
+            <a:schemeClr val="accent1">
+              <a:shade val="50000"/>
+            </a:schemeClr>
+          </a:lnRef>
+          <a:fillRef idx="1">
+            <a:schemeClr val="accent1"/>
+          </a:fillRef>
+          <a:effectRef idx="0">
+            <a:schemeClr val="accent1"/>
+          </a:effectRef>
+          <a:fontRef idx="minor">
+            <a:schemeClr val="lt1"/>
+          </a:fontRef>
+        </p:style>
+        <p:txBody>
+          <a:bodyPr rtlCol="0" anchor="ctr"/>
+          <a:lstStyle/>
+          <a:p>
+            <a:pPr algn="ctr"/>
+            <a:endParaRPr lang="en-US">
+              <a:solidFill>
+                <a:prstClr val="white"/>
+              </a:solidFill>
+              <a:latin typeface="Calibri" panose="020F0502020204030204"/>
+            </a:endParaRPr>
+          </a:p>
+        </p:txBody>
+      </p:sp>
+      <p:sp>
+        <p:nvSpPr>
+          <p:cNvPr id="3" name="Content Placeholder 2">
+            <a:extLst>
+              <a:ext uri="{FF2B5EF4-FFF2-40B4-BE49-F238E27FC236}">
+                <a16:creationId xmlns:a16="http://schemas.microsoft.com/office/drawing/2014/main" id="{104BC9E8-FD8D-F143-A1D3-9CBE2D6C7A60}"/>
+              </a:ext>
+            </a:extLst>
+          </p:cNvPr>
+          <p:cNvSpPr>
+            <a:spLocks noGrp="1"/>
+          </p:cNvSpPr>
+          <p:nvPr>
+            <p:ph idx="1"/>
+          </p:nvPr>
+        </p:nvSpPr>
+        <p:spPr>
+          <a:xfrm>
+            <a:off x="116249" y="2221992"/>
+            <a:ext cx="11842389" cy="4479750"/>
+          </a:xfrm>
+        </p:spPr>
+        <p:txBody>
+          <a:bodyPr>
+            <a:normAutofit/>
+          </a:bodyPr>
+          <a:lstStyle/>
+          <a:p>
+            <a:pPr marL="0" indent="0" algn="ctr">
+              <a:buNone/>
+            </a:pPr>
+            <a:r>
+              <a:rPr lang="en-US" sz="4000" b="1" dirty="0"/>
+              <a:t>Conclusion</a:t>
+            </a:r>
+          </a:p>
+          <a:p>
+            <a:pPr marL="0" indent="0" algn="ctr">
+              <a:buNone/>
+            </a:pPr>
+            <a:r>
+              <a:rPr lang="en-US" dirty="0"/>
+              <a:t>Here's the takeaway: Models can suffer from either:</a:t>
+            </a:r>
+          </a:p>
+          <a:p>
+            <a:r>
+              <a:rPr lang="en-US" b="1" dirty="0"/>
+              <a:t>Overfitting:</a:t>
+            </a:r>
+            <a:r>
+              <a:rPr lang="en-US" dirty="0"/>
+              <a:t> capturing spurious patterns that won't recur in the future, leading to less accurate predictions, or</a:t>
+            </a:r>
+          </a:p>
+          <a:p>
+            <a:r>
+              <a:rPr lang="en-US" b="1" dirty="0"/>
+              <a:t>Underfitting:</a:t>
+            </a:r>
+            <a:r>
+              <a:rPr lang="en-US" dirty="0"/>
+              <a:t> failing to capture relevant patterns, again leading to less accurate predictions.</a:t>
+            </a:r>
+          </a:p>
+          <a:p>
+            <a:r>
+              <a:rPr lang="en-US" dirty="0"/>
+              <a:t>We use </a:t>
+            </a:r>
+            <a:r>
+              <a:rPr lang="en-US" b="1" dirty="0"/>
+              <a:t>validation</a:t>
+            </a:r>
+            <a:r>
+              <a:rPr lang="en-US" dirty="0"/>
+              <a:t> data, which isn't used in model training, to measure a candidate model's accuracy. This lets us try many candidate models and keep the best one.</a:t>
+            </a:r>
+          </a:p>
+          <a:p>
+            <a:endParaRPr lang="en-US" sz="2200" dirty="0"/>
+          </a:p>
+        </p:txBody>
+      </p:sp>
+    </p:spTree>
+    <p:extLst>
+      <p:ext uri="{BB962C8B-B14F-4D97-AF65-F5344CB8AC3E}">
+        <p14:creationId xmlns:p14="http://schemas.microsoft.com/office/powerpoint/2010/main" val="2175061620"/>
+      </p:ext>
+    </p:extLst>
+  </p:cSld>
+  <p:clrMapOvr>
+    <a:masterClrMapping/>
+  </p:clrMapOvr>
 </p:sld>
 </file>
 
@@ -12248,6 +12725,399 @@
 </p:sld>
 </file>
 
+<file path=ppt/slides/slide9.xml><?xml version="1.0" encoding="utf-8"?>
+<p:sld xmlns:a="http://schemas.openxmlformats.org/drawingml/2006/main" xmlns:r="http://schemas.openxmlformats.org/officeDocument/2006/relationships" xmlns:p="http://schemas.openxmlformats.org/presentationml/2006/main">
+  <p:cSld>
+    <p:bg>
+      <p:bgPr>
+        <a:solidFill>
+          <a:schemeClr val="bg1"/>
+        </a:solidFill>
+        <a:effectLst/>
+      </p:bgPr>
+    </p:bg>
+    <p:spTree>
+      <p:nvGrpSpPr>
+        <p:cNvPr id="1" name=""/>
+        <p:cNvGrpSpPr/>
+        <p:nvPr/>
+      </p:nvGrpSpPr>
+      <p:grpSpPr>
+        <a:xfrm>
+          <a:off x="0" y="0"/>
+          <a:ext cx="0" cy="0"/>
+          <a:chOff x="0" y="0"/>
+          <a:chExt cx="0" cy="0"/>
+        </a:xfrm>
+      </p:grpSpPr>
+      <p:sp useBgFill="1">
+        <p:nvSpPr>
+          <p:cNvPr id="8" name="Rectangle 7">
+            <a:extLst>
+              <a:ext uri="{FF2B5EF4-FFF2-40B4-BE49-F238E27FC236}">
+                <a16:creationId xmlns:a16="http://schemas.microsoft.com/office/drawing/2014/main" id="{1BB867FF-FC45-48F7-8104-F89BE54909F1}"/>
+              </a:ext>
+              <a:ext uri="{C183D7F6-B498-43B3-948B-1728B52AA6E4}">
+                <adec:decorative xmlns:adec="http://schemas.microsoft.com/office/drawing/2017/decorative" val="1"/>
+              </a:ext>
+            </a:extLst>
+          </p:cNvPr>
+          <p:cNvSpPr>
+            <a:spLocks noGrp="1" noRot="1" noChangeAspect="1" noMove="1" noResize="1" noEditPoints="1" noAdjustHandles="1" noChangeArrowheads="1" noChangeShapeType="1" noTextEdit="1"/>
+          </p:cNvSpPr>
+          <p:nvPr>
+            <p:extLst>
+              <p:ext uri="{386F3935-93C4-4BCD-93E2-E3B085C9AB24}">
+                <p16:designElem xmlns:p16="http://schemas.microsoft.com/office/powerpoint/2015/main" val="1"/>
+              </p:ext>
+            </p:extLst>
+          </p:nvPr>
+        </p:nvSpPr>
+        <p:spPr>
+          <a:xfrm>
+            <a:off x="3048" y="0"/>
+            <a:ext cx="12188952" cy="6858000"/>
+          </a:xfrm>
+          <a:prstGeom prst="rect">
+            <a:avLst/>
+          </a:prstGeom>
+          <a:ln>
+            <a:noFill/>
+          </a:ln>
+        </p:spPr>
+        <p:style>
+          <a:lnRef idx="2">
+            <a:schemeClr val="accent1">
+              <a:shade val="50000"/>
+            </a:schemeClr>
+          </a:lnRef>
+          <a:fillRef idx="1">
+            <a:schemeClr val="accent1"/>
+          </a:fillRef>
+          <a:effectRef idx="0">
+            <a:schemeClr val="accent1"/>
+          </a:effectRef>
+          <a:fontRef idx="minor">
+            <a:schemeClr val="lt1"/>
+          </a:fontRef>
+        </p:style>
+        <p:txBody>
+          <a:bodyPr rtlCol="0" anchor="ctr"/>
+          <a:lstStyle/>
+          <a:p>
+            <a:pPr algn="ctr"/>
+            <a:endParaRPr lang="en-US"/>
+          </a:p>
+        </p:txBody>
+      </p:sp>
+      <p:sp>
+        <p:nvSpPr>
+          <p:cNvPr id="10" name="Freeform: Shape 9">
+            <a:extLst>
+              <a:ext uri="{FF2B5EF4-FFF2-40B4-BE49-F238E27FC236}">
+                <a16:creationId xmlns:a16="http://schemas.microsoft.com/office/drawing/2014/main" id="{8BB56887-D0D5-4F0C-9E19-7247EB83C8B7}"/>
+              </a:ext>
+              <a:ext uri="{C183D7F6-B498-43B3-948B-1728B52AA6E4}">
+                <adec:decorative xmlns:adec="http://schemas.microsoft.com/office/drawing/2017/decorative" val="1"/>
+              </a:ext>
+            </a:extLst>
+          </p:cNvPr>
+          <p:cNvSpPr>
+            <a:spLocks noGrp="1" noRot="1" noChangeAspect="1" noMove="1" noResize="1" noEditPoints="1" noAdjustHandles="1" noChangeArrowheads="1" noChangeShapeType="1" noTextEdit="1"/>
+          </p:cNvSpPr>
+          <p:nvPr>
+            <p:extLst>
+              <p:ext uri="{386F3935-93C4-4BCD-93E2-E3B085C9AB24}">
+                <p16:designElem xmlns:p16="http://schemas.microsoft.com/office/powerpoint/2015/main" val="1"/>
+              </p:ext>
+            </p:extLst>
+          </p:nvPr>
+        </p:nvSpPr>
+        <p:spPr>
+          <a:xfrm>
+            <a:off x="10208695" y="1"/>
+            <a:ext cx="1135066" cy="477997"/>
+          </a:xfrm>
+          <a:custGeom>
+            <a:avLst/>
+            <a:gdLst>
+              <a:gd name="connsiteX0" fmla="*/ 0 w 1135066"/>
+              <a:gd name="connsiteY0" fmla="*/ 0 h 477997"/>
+              <a:gd name="connsiteX1" fmla="*/ 1135066 w 1135066"/>
+              <a:gd name="connsiteY1" fmla="*/ 0 h 477997"/>
+              <a:gd name="connsiteX2" fmla="*/ 1133370 w 1135066"/>
+              <a:gd name="connsiteY2" fmla="*/ 16827 h 477997"/>
+              <a:gd name="connsiteX3" fmla="*/ 567533 w 1135066"/>
+              <a:gd name="connsiteY3" fmla="*/ 477997 h 477997"/>
+              <a:gd name="connsiteX4" fmla="*/ 1696 w 1135066"/>
+              <a:gd name="connsiteY4" fmla="*/ 16827 h 477997"/>
+            </a:gdLst>
+            <a:ahLst/>
+            <a:cxnLst>
+              <a:cxn ang="0">
+                <a:pos x="connsiteX0" y="connsiteY0"/>
+              </a:cxn>
+              <a:cxn ang="0">
+                <a:pos x="connsiteX1" y="connsiteY1"/>
+              </a:cxn>
+              <a:cxn ang="0">
+                <a:pos x="connsiteX2" y="connsiteY2"/>
+              </a:cxn>
+              <a:cxn ang="0">
+                <a:pos x="connsiteX3" y="connsiteY3"/>
+              </a:cxn>
+              <a:cxn ang="0">
+                <a:pos x="connsiteX4" y="connsiteY4"/>
+              </a:cxn>
+            </a:cxnLst>
+            <a:rect l="l" t="t" r="r" b="b"/>
+            <a:pathLst>
+              <a:path w="1135066" h="477997">
+                <a:moveTo>
+                  <a:pt x="0" y="0"/>
+                </a:moveTo>
+                <a:lnTo>
+                  <a:pt x="1135066" y="0"/>
+                </a:lnTo>
+                <a:lnTo>
+                  <a:pt x="1133370" y="16827"/>
+                </a:lnTo>
+                <a:cubicBezTo>
+                  <a:pt x="1079514" y="280016"/>
+                  <a:pt x="846644" y="477997"/>
+                  <a:pt x="567533" y="477997"/>
+                </a:cubicBezTo>
+                <a:cubicBezTo>
+                  <a:pt x="288422" y="477997"/>
+                  <a:pt x="55552" y="280016"/>
+                  <a:pt x="1696" y="16827"/>
+                </a:cubicBezTo>
+                <a:close/>
+              </a:path>
+            </a:pathLst>
+          </a:custGeom>
+          <a:solidFill>
+            <a:schemeClr val="accent4"/>
+          </a:solidFill>
+          <a:ln>
+            <a:noFill/>
+          </a:ln>
+        </p:spPr>
+        <p:style>
+          <a:lnRef idx="2">
+            <a:schemeClr val="accent1">
+              <a:shade val="50000"/>
+            </a:schemeClr>
+          </a:lnRef>
+          <a:fillRef idx="1">
+            <a:schemeClr val="accent1"/>
+          </a:fillRef>
+          <a:effectRef idx="0">
+            <a:schemeClr val="accent1"/>
+          </a:effectRef>
+          <a:fontRef idx="minor">
+            <a:schemeClr val="lt1"/>
+          </a:fontRef>
+        </p:style>
+        <p:txBody>
+          <a:bodyPr wrap="square" rtlCol="0" anchor="ctr">
+            <a:noAutofit/>
+          </a:bodyPr>
+          <a:lstStyle/>
+          <a:p>
+            <a:pPr algn="ctr"/>
+            <a:endParaRPr lang="en-US"/>
+          </a:p>
+        </p:txBody>
+      </p:sp>
+      <p:sp>
+        <p:nvSpPr>
+          <p:cNvPr id="2" name="Title 1">
+            <a:extLst>
+              <a:ext uri="{FF2B5EF4-FFF2-40B4-BE49-F238E27FC236}">
+                <a16:creationId xmlns:a16="http://schemas.microsoft.com/office/drawing/2014/main" id="{5A8A891F-CB02-424D-9CEF-D95E1087F120}"/>
+              </a:ext>
+            </a:extLst>
+          </p:cNvPr>
+          <p:cNvSpPr>
+            <a:spLocks noGrp="1"/>
+          </p:cNvSpPr>
+          <p:nvPr>
+            <p:ph type="title"/>
+          </p:nvPr>
+        </p:nvSpPr>
+        <p:spPr>
+          <a:xfrm>
+            <a:off x="838200" y="365125"/>
+            <a:ext cx="10515600" cy="1325563"/>
+          </a:xfrm>
+        </p:spPr>
+        <p:txBody>
+          <a:bodyPr>
+            <a:normAutofit/>
+          </a:bodyPr>
+          <a:lstStyle/>
+          <a:p>
+            <a:r>
+              <a:rPr lang="en-US" b="1" dirty="0"/>
+              <a:t>Underfitting and Overfitting</a:t>
+            </a:r>
+            <a:endParaRPr lang="en-US" dirty="0"/>
+          </a:p>
+        </p:txBody>
+      </p:sp>
+      <p:sp>
+        <p:nvSpPr>
+          <p:cNvPr id="12" name="Arc 11">
+            <a:extLst>
+              <a:ext uri="{FF2B5EF4-FFF2-40B4-BE49-F238E27FC236}">
+                <a16:creationId xmlns:a16="http://schemas.microsoft.com/office/drawing/2014/main" id="{081E4A58-353D-44AE-B2FC-2A74E2E400F7}"/>
+              </a:ext>
+              <a:ext uri="{C183D7F6-B498-43B3-948B-1728B52AA6E4}">
+                <adec:decorative xmlns:adec="http://schemas.microsoft.com/office/drawing/2017/decorative" val="1"/>
+              </a:ext>
+            </a:extLst>
+          </p:cNvPr>
+          <p:cNvSpPr>
+            <a:spLocks noGrp="1" noRot="1" noChangeAspect="1" noMove="1" noResize="1" noEditPoints="1" noAdjustHandles="1" noChangeArrowheads="1" noChangeShapeType="1" noTextEdit="1"/>
+          </p:cNvSpPr>
+          <p:nvPr>
+            <p:extLst>
+              <p:ext uri="{386F3935-93C4-4BCD-93E2-E3B085C9AB24}">
+                <p16:designElem xmlns:p16="http://schemas.microsoft.com/office/powerpoint/2015/main" val="1"/>
+              </p:ext>
+            </p:extLst>
+          </p:nvPr>
+        </p:nvSpPr>
+        <p:spPr>
+          <a:xfrm rot="5400000" flipV="1">
+            <a:off x="555710" y="2183223"/>
+            <a:ext cx="4083433" cy="4083433"/>
+          </a:xfrm>
+          <a:prstGeom prst="arc">
+            <a:avLst/>
+          </a:prstGeom>
+          <a:ln w="127000" cap="rnd">
+            <a:solidFill>
+              <a:schemeClr val="accent4"/>
+            </a:solidFill>
+            <a:prstDash val="dash"/>
+          </a:ln>
+        </p:spPr>
+        <p:style>
+          <a:lnRef idx="1">
+            <a:schemeClr val="accent1"/>
+          </a:lnRef>
+          <a:fillRef idx="0">
+            <a:schemeClr val="accent1"/>
+          </a:fillRef>
+          <a:effectRef idx="0">
+            <a:schemeClr val="accent1"/>
+          </a:effectRef>
+          <a:fontRef idx="minor">
+            <a:schemeClr val="tx1"/>
+          </a:fontRef>
+        </p:style>
+        <p:txBody>
+          <a:bodyPr rtlCol="0" anchor="ctr"/>
+          <a:lstStyle/>
+          <a:p>
+            <a:pPr algn="ctr"/>
+            <a:endParaRPr lang="en-US" dirty="0"/>
+          </a:p>
+        </p:txBody>
+      </p:sp>
+      <p:sp>
+        <p:nvSpPr>
+          <p:cNvPr id="3" name="Content Placeholder 2">
+            <a:extLst>
+              <a:ext uri="{FF2B5EF4-FFF2-40B4-BE49-F238E27FC236}">
+                <a16:creationId xmlns:a16="http://schemas.microsoft.com/office/drawing/2014/main" id="{104BC9E8-FD8D-F143-A1D3-9CBE2D6C7A60}"/>
+              </a:ext>
+            </a:extLst>
+          </p:cNvPr>
+          <p:cNvSpPr>
+            <a:spLocks noGrp="1"/>
+          </p:cNvSpPr>
+          <p:nvPr>
+            <p:ph idx="1"/>
+          </p:nvPr>
+        </p:nvSpPr>
+        <p:spPr>
+          <a:xfrm>
+            <a:off x="200025" y="1423686"/>
+            <a:ext cx="11801475" cy="5220003"/>
+          </a:xfrm>
+        </p:spPr>
+        <p:txBody>
+          <a:bodyPr>
+            <a:normAutofit lnSpcReduction="10000"/>
+          </a:bodyPr>
+          <a:lstStyle/>
+          <a:p>
+            <a:r>
+              <a:rPr lang="en-US" sz="2400" dirty="0"/>
+              <a:t>If a tree only had 1 split, it divides the data into 2 groups. If each group is split again, we would get 4 groups of houses. Splitting each of those again would create 8 groups. If we keep doubling the number of groups by adding more splits at each level, we'll have 2^10 groups of houses by the time we get to the 10th level. That's 1024 leaves.</a:t>
+            </a:r>
+          </a:p>
+          <a:p>
+            <a:endParaRPr lang="en-US" sz="2400" dirty="0"/>
+          </a:p>
+          <a:p>
+            <a:r>
+              <a:rPr lang="en-US" sz="2400" b="1" dirty="0"/>
+              <a:t>overfitting</a:t>
+            </a:r>
+            <a:r>
+              <a:rPr lang="en-US" sz="2400" dirty="0"/>
+              <a:t>, where a model matches the training data almost perfectly, but does poorly in validation and other new data.</a:t>
+            </a:r>
+          </a:p>
+          <a:p>
+            <a:endParaRPr lang="en-US" sz="2400" dirty="0"/>
+          </a:p>
+          <a:p>
+            <a:r>
+              <a:rPr lang="en-US" sz="2400" dirty="0"/>
+              <a:t>When a model fails to capture important distinctions and patterns in the data, so it performs poorly even in training data, that is called </a:t>
+            </a:r>
+            <a:r>
+              <a:rPr lang="en-US" sz="2400" b="1" dirty="0"/>
+              <a:t>underfitting.</a:t>
+            </a:r>
+          </a:p>
+          <a:p>
+            <a:endParaRPr lang="en-US" sz="2400" b="1" dirty="0"/>
+          </a:p>
+          <a:p>
+            <a:r>
+              <a:rPr lang="en-US" sz="2400" dirty="0"/>
+              <a:t>The </a:t>
+            </a:r>
+            <a:r>
+              <a:rPr lang="en-US" sz="2400" i="1" dirty="0" err="1"/>
+              <a:t>max_leaf_nodes</a:t>
+            </a:r>
+            <a:r>
+              <a:rPr lang="en-US" sz="2400" dirty="0"/>
+              <a:t> argument provides a very sensible way to control overfitting vs underfitting. The more leaves we allow the model to make, the more we move from the underfitting area in the above graph to the overfitting area.</a:t>
+            </a:r>
+          </a:p>
+        </p:txBody>
+      </p:sp>
+    </p:spTree>
+    <p:extLst>
+      <p:ext uri="{BB962C8B-B14F-4D97-AF65-F5344CB8AC3E}">
+        <p14:creationId xmlns:p14="http://schemas.microsoft.com/office/powerpoint/2010/main" val="2397926603"/>
+      </p:ext>
+    </p:extLst>
+  </p:cSld>
+  <p:clrMapOvr>
+    <a:masterClrMapping/>
+  </p:clrMapOvr>
+</p:sld>
+</file>
+
 <file path=ppt/theme/theme1.xml><?xml version="1.0" encoding="utf-8"?>
 <a:theme xmlns:a="http://schemas.openxmlformats.org/drawingml/2006/main" name="Office Theme">
   <a:themeElements>

--- a/Into To ML/Kaggle - Into to ML.pptx
+++ b/Into To ML/Kaggle - Into to ML.pptx
@@ -15,6 +15,7 @@
     <p:sldId id="264" r:id="rId9"/>
     <p:sldId id="265" r:id="rId10"/>
     <p:sldId id="266" r:id="rId11"/>
+    <p:sldId id="267" r:id="rId12"/>
   </p:sldIdLst>
   <p:sldSz cx="12192000" cy="6858000"/>
   <p:notesSz cx="6858000" cy="9144000"/>
@@ -835,6 +836,788 @@
     <dgm:fillClrLst meth="repeat">
       <a:schemeClr val="accent1">
         <a:tint val="60000"/>
+      </a:schemeClr>
+    </dgm:fillClrLst>
+    <dgm:linClrLst meth="repeat">
+      <a:schemeClr val="lt1"/>
+    </dgm:linClrLst>
+    <dgm:effectClrLst/>
+    <dgm:txLinClrLst/>
+    <dgm:txFillClrLst meth="repeat">
+      <a:schemeClr val="dk1"/>
+    </dgm:txFillClrLst>
+    <dgm:txEffectClrLst/>
+  </dgm:styleLbl>
+  <dgm:styleLbl name="revTx">
+    <dgm:fillClrLst meth="repeat">
+      <a:schemeClr val="lt1">
+        <a:alpha val="0"/>
+      </a:schemeClr>
+    </dgm:fillClrLst>
+    <dgm:linClrLst meth="repeat">
+      <a:schemeClr val="dk1">
+        <a:alpha val="0"/>
+      </a:schemeClr>
+    </dgm:linClrLst>
+    <dgm:effectClrLst/>
+    <dgm:txLinClrLst/>
+    <dgm:txFillClrLst meth="repeat">
+      <a:schemeClr val="tx1"/>
+    </dgm:txFillClrLst>
+    <dgm:txEffectClrLst/>
+  </dgm:styleLbl>
+</dgm:colorsDef>
+</file>
+
+<file path=ppt/diagrams/colors2.xml><?xml version="1.0" encoding="utf-8"?>
+<dgm:colorsDef xmlns:dgm="http://schemas.openxmlformats.org/drawingml/2006/diagram" xmlns:a="http://schemas.openxmlformats.org/drawingml/2006/main" uniqueId="urn:microsoft.com/office/officeart/2005/8/colors/colorful2">
+  <dgm:title val=""/>
+  <dgm:desc val=""/>
+  <dgm:catLst>
+    <dgm:cat type="colorful" pri="10200"/>
+  </dgm:catLst>
+  <dgm:styleLbl name="node0">
+    <dgm:fillClrLst meth="repeat">
+      <a:schemeClr val="accent1"/>
+    </dgm:fillClrLst>
+    <dgm:linClrLst meth="repeat">
+      <a:schemeClr val="lt1"/>
+    </dgm:linClrLst>
+    <dgm:effectClrLst/>
+    <dgm:txLinClrLst/>
+    <dgm:txFillClrLst/>
+    <dgm:txEffectClrLst/>
+  </dgm:styleLbl>
+  <dgm:styleLbl name="node1">
+    <dgm:fillClrLst>
+      <a:schemeClr val="accent2"/>
+      <a:schemeClr val="accent3"/>
+    </dgm:fillClrLst>
+    <dgm:linClrLst meth="repeat">
+      <a:schemeClr val="lt1"/>
+    </dgm:linClrLst>
+    <dgm:effectClrLst/>
+    <dgm:txLinClrLst/>
+    <dgm:txFillClrLst/>
+    <dgm:txEffectClrLst/>
+  </dgm:styleLbl>
+  <dgm:styleLbl name="alignNode1">
+    <dgm:fillClrLst>
+      <a:schemeClr val="accent2"/>
+      <a:schemeClr val="accent3"/>
+    </dgm:fillClrLst>
+    <dgm:linClrLst>
+      <a:schemeClr val="accent2"/>
+      <a:schemeClr val="accent3"/>
+    </dgm:linClrLst>
+    <dgm:effectClrLst/>
+    <dgm:txLinClrLst/>
+    <dgm:txFillClrLst/>
+    <dgm:txEffectClrLst/>
+  </dgm:styleLbl>
+  <dgm:styleLbl name="lnNode1">
+    <dgm:fillClrLst>
+      <a:schemeClr val="accent2"/>
+      <a:schemeClr val="accent3"/>
+    </dgm:fillClrLst>
+    <dgm:linClrLst meth="repeat">
+      <a:schemeClr val="lt1"/>
+    </dgm:linClrLst>
+    <dgm:effectClrLst/>
+    <dgm:txLinClrLst/>
+    <dgm:txFillClrLst/>
+    <dgm:txEffectClrLst/>
+  </dgm:styleLbl>
+  <dgm:styleLbl name="vennNode1">
+    <dgm:fillClrLst>
+      <a:schemeClr val="accent2">
+        <a:alpha val="50000"/>
+      </a:schemeClr>
+      <a:schemeClr val="accent3">
+        <a:alpha val="50000"/>
+      </a:schemeClr>
+    </dgm:fillClrLst>
+    <dgm:linClrLst meth="repeat">
+      <a:schemeClr val="lt1"/>
+    </dgm:linClrLst>
+    <dgm:effectClrLst/>
+    <dgm:txLinClrLst/>
+    <dgm:txFillClrLst/>
+    <dgm:txEffectClrLst/>
+  </dgm:styleLbl>
+  <dgm:styleLbl name="node2">
+    <dgm:fillClrLst>
+      <a:schemeClr val="accent3"/>
+    </dgm:fillClrLst>
+    <dgm:linClrLst meth="repeat">
+      <a:schemeClr val="lt1"/>
+    </dgm:linClrLst>
+    <dgm:effectClrLst/>
+    <dgm:txLinClrLst/>
+    <dgm:txFillClrLst/>
+    <dgm:txEffectClrLst/>
+  </dgm:styleLbl>
+  <dgm:styleLbl name="node3">
+    <dgm:fillClrLst>
+      <a:schemeClr val="accent4"/>
+    </dgm:fillClrLst>
+    <dgm:linClrLst meth="repeat">
+      <a:schemeClr val="lt1"/>
+    </dgm:linClrLst>
+    <dgm:effectClrLst/>
+    <dgm:txLinClrLst/>
+    <dgm:txFillClrLst/>
+    <dgm:txEffectClrLst/>
+  </dgm:styleLbl>
+  <dgm:styleLbl name="node4">
+    <dgm:fillClrLst>
+      <a:schemeClr val="accent5"/>
+    </dgm:fillClrLst>
+    <dgm:linClrLst meth="repeat">
+      <a:schemeClr val="lt1"/>
+    </dgm:linClrLst>
+    <dgm:effectClrLst/>
+    <dgm:txLinClrLst/>
+    <dgm:txFillClrLst/>
+    <dgm:txEffectClrLst/>
+  </dgm:styleLbl>
+  <dgm:styleLbl name="fgImgPlace1">
+    <dgm:fillClrLst>
+      <a:schemeClr val="accent2">
+        <a:tint val="50000"/>
+      </a:schemeClr>
+      <a:schemeClr val="accent3">
+        <a:tint val="50000"/>
+      </a:schemeClr>
+    </dgm:fillClrLst>
+    <dgm:linClrLst meth="repeat">
+      <a:schemeClr val="lt1"/>
+    </dgm:linClrLst>
+    <dgm:effectClrLst/>
+    <dgm:txLinClrLst/>
+    <dgm:txFillClrLst meth="repeat">
+      <a:schemeClr val="lt1"/>
+    </dgm:txFillClrLst>
+    <dgm:txEffectClrLst/>
+  </dgm:styleLbl>
+  <dgm:styleLbl name="alignImgPlace1">
+    <dgm:fillClrLst>
+      <a:schemeClr val="accent2">
+        <a:tint val="50000"/>
+      </a:schemeClr>
+      <a:schemeClr val="accent3">
+        <a:tint val="20000"/>
+      </a:schemeClr>
+    </dgm:fillClrLst>
+    <dgm:linClrLst meth="repeat">
+      <a:schemeClr val="lt1"/>
+    </dgm:linClrLst>
+    <dgm:effectClrLst/>
+    <dgm:txLinClrLst/>
+    <dgm:txFillClrLst meth="repeat">
+      <a:schemeClr val="lt1"/>
+    </dgm:txFillClrLst>
+    <dgm:txEffectClrLst/>
+  </dgm:styleLbl>
+  <dgm:styleLbl name="bgImgPlace1">
+    <dgm:fillClrLst>
+      <a:schemeClr val="accent2">
+        <a:tint val="50000"/>
+      </a:schemeClr>
+      <a:schemeClr val="accent3">
+        <a:tint val="20000"/>
+      </a:schemeClr>
+    </dgm:fillClrLst>
+    <dgm:linClrLst meth="repeat">
+      <a:schemeClr val="lt1"/>
+    </dgm:linClrLst>
+    <dgm:effectClrLst/>
+    <dgm:txLinClrLst/>
+    <dgm:txFillClrLst meth="repeat">
+      <a:schemeClr val="lt1"/>
+    </dgm:txFillClrLst>
+    <dgm:txEffectClrLst/>
+  </dgm:styleLbl>
+  <dgm:styleLbl name="sibTrans2D1">
+    <dgm:fillClrLst>
+      <a:schemeClr val="accent2"/>
+      <a:schemeClr val="accent3"/>
+    </dgm:fillClrLst>
+    <dgm:linClrLst meth="repeat">
+      <a:schemeClr val="lt1"/>
+    </dgm:linClrLst>
+    <dgm:effectClrLst/>
+    <dgm:txLinClrLst/>
+    <dgm:txFillClrLst/>
+    <dgm:txEffectClrLst/>
+  </dgm:styleLbl>
+  <dgm:styleLbl name="fgSibTrans2D1">
+    <dgm:fillClrLst>
+      <a:schemeClr val="accent2"/>
+      <a:schemeClr val="accent3"/>
+    </dgm:fillClrLst>
+    <dgm:linClrLst meth="repeat">
+      <a:schemeClr val="lt1"/>
+    </dgm:linClrLst>
+    <dgm:effectClrLst/>
+    <dgm:txLinClrLst/>
+    <dgm:txFillClrLst meth="repeat">
+      <a:schemeClr val="lt1"/>
+    </dgm:txFillClrLst>
+    <dgm:txEffectClrLst/>
+  </dgm:styleLbl>
+  <dgm:styleLbl name="bgSibTrans2D1">
+    <dgm:fillClrLst>
+      <a:schemeClr val="accent2"/>
+      <a:schemeClr val="accent3"/>
+    </dgm:fillClrLst>
+    <dgm:linClrLst meth="repeat">
+      <a:schemeClr val="lt1"/>
+    </dgm:linClrLst>
+    <dgm:effectClrLst/>
+    <dgm:txLinClrLst/>
+    <dgm:txFillClrLst meth="repeat">
+      <a:schemeClr val="lt1"/>
+    </dgm:txFillClrLst>
+    <dgm:txEffectClrLst/>
+  </dgm:styleLbl>
+  <dgm:styleLbl name="sibTrans1D1">
+    <dgm:fillClrLst/>
+    <dgm:linClrLst>
+      <a:schemeClr val="accent2"/>
+      <a:schemeClr val="accent3"/>
+    </dgm:linClrLst>
+    <dgm:effectClrLst/>
+    <dgm:txLinClrLst/>
+    <dgm:txFillClrLst meth="repeat">
+      <a:schemeClr val="tx1"/>
+    </dgm:txFillClrLst>
+    <dgm:txEffectClrLst/>
+  </dgm:styleLbl>
+  <dgm:styleLbl name="callout">
+    <dgm:fillClrLst meth="repeat">
+      <a:schemeClr val="accent2"/>
+    </dgm:fillClrLst>
+    <dgm:linClrLst meth="repeat">
+      <a:schemeClr val="accent2">
+        <a:tint val="50000"/>
+      </a:schemeClr>
+    </dgm:linClrLst>
+    <dgm:effectClrLst/>
+    <dgm:txLinClrLst/>
+    <dgm:txFillClrLst meth="repeat">
+      <a:schemeClr val="tx1"/>
+    </dgm:txFillClrLst>
+    <dgm:txEffectClrLst/>
+  </dgm:styleLbl>
+  <dgm:styleLbl name="asst0">
+    <dgm:fillClrLst meth="repeat">
+      <a:schemeClr val="accent2"/>
+    </dgm:fillClrLst>
+    <dgm:linClrLst meth="repeat">
+      <a:schemeClr val="lt1">
+        <a:shade val="80000"/>
+      </a:schemeClr>
+    </dgm:linClrLst>
+    <dgm:effectClrLst/>
+    <dgm:txLinClrLst/>
+    <dgm:txFillClrLst/>
+    <dgm:txEffectClrLst/>
+  </dgm:styleLbl>
+  <dgm:styleLbl name="asst1">
+    <dgm:fillClrLst meth="repeat">
+      <a:schemeClr val="accent3"/>
+    </dgm:fillClrLst>
+    <dgm:linClrLst meth="repeat">
+      <a:schemeClr val="lt1">
+        <a:shade val="80000"/>
+      </a:schemeClr>
+    </dgm:linClrLst>
+    <dgm:effectClrLst/>
+    <dgm:txLinClrLst/>
+    <dgm:txFillClrLst/>
+    <dgm:txEffectClrLst/>
+  </dgm:styleLbl>
+  <dgm:styleLbl name="asst2">
+    <dgm:fillClrLst>
+      <a:schemeClr val="accent4"/>
+    </dgm:fillClrLst>
+    <dgm:linClrLst meth="repeat">
+      <a:schemeClr val="lt1"/>
+    </dgm:linClrLst>
+    <dgm:effectClrLst/>
+    <dgm:txLinClrLst/>
+    <dgm:txFillClrLst/>
+    <dgm:txEffectClrLst/>
+  </dgm:styleLbl>
+  <dgm:styleLbl name="asst3">
+    <dgm:fillClrLst>
+      <a:schemeClr val="accent5"/>
+    </dgm:fillClrLst>
+    <dgm:linClrLst meth="repeat">
+      <a:schemeClr val="lt1"/>
+    </dgm:linClrLst>
+    <dgm:effectClrLst/>
+    <dgm:txLinClrLst/>
+    <dgm:txFillClrLst/>
+    <dgm:txEffectClrLst/>
+  </dgm:styleLbl>
+  <dgm:styleLbl name="asst4">
+    <dgm:fillClrLst>
+      <a:schemeClr val="accent6"/>
+    </dgm:fillClrLst>
+    <dgm:linClrLst meth="repeat">
+      <a:schemeClr val="lt1"/>
+    </dgm:linClrLst>
+    <dgm:effectClrLst/>
+    <dgm:txLinClrLst/>
+    <dgm:txFillClrLst/>
+    <dgm:txEffectClrLst/>
+  </dgm:styleLbl>
+  <dgm:styleLbl name="parChTrans2D1">
+    <dgm:fillClrLst meth="repeat">
+      <a:schemeClr val="accent2"/>
+    </dgm:fillClrLst>
+    <dgm:linClrLst meth="repeat">
+      <a:schemeClr val="lt1"/>
+    </dgm:linClrLst>
+    <dgm:effectClrLst/>
+    <dgm:txLinClrLst/>
+    <dgm:txFillClrLst meth="repeat">
+      <a:schemeClr val="lt1"/>
+    </dgm:txFillClrLst>
+    <dgm:txEffectClrLst/>
+  </dgm:styleLbl>
+  <dgm:styleLbl name="parChTrans2D2">
+    <dgm:fillClrLst meth="repeat">
+      <a:schemeClr val="accent3"/>
+    </dgm:fillClrLst>
+    <dgm:linClrLst meth="repeat">
+      <a:schemeClr val="lt1"/>
+    </dgm:linClrLst>
+    <dgm:effectClrLst/>
+    <dgm:txLinClrLst/>
+    <dgm:txFillClrLst/>
+    <dgm:txEffectClrLst/>
+  </dgm:styleLbl>
+  <dgm:styleLbl name="parChTrans2D3">
+    <dgm:fillClrLst meth="repeat">
+      <a:schemeClr val="accent4"/>
+    </dgm:fillClrLst>
+    <dgm:linClrLst meth="repeat">
+      <a:schemeClr val="lt1"/>
+    </dgm:linClrLst>
+    <dgm:effectClrLst/>
+    <dgm:txLinClrLst/>
+    <dgm:txFillClrLst/>
+    <dgm:txEffectClrLst/>
+  </dgm:styleLbl>
+  <dgm:styleLbl name="parChTrans2D4">
+    <dgm:fillClrLst meth="repeat">
+      <a:schemeClr val="accent5"/>
+    </dgm:fillClrLst>
+    <dgm:linClrLst meth="repeat">
+      <a:schemeClr val="lt1"/>
+    </dgm:linClrLst>
+    <dgm:effectClrLst/>
+    <dgm:txLinClrLst/>
+    <dgm:txFillClrLst meth="repeat">
+      <a:schemeClr val="lt1"/>
+    </dgm:txFillClrLst>
+    <dgm:txEffectClrLst/>
+  </dgm:styleLbl>
+  <dgm:styleLbl name="parChTrans1D1">
+    <dgm:fillClrLst meth="repeat">
+      <a:schemeClr val="accent2"/>
+    </dgm:fillClrLst>
+    <dgm:linClrLst meth="repeat">
+      <a:schemeClr val="accent2"/>
+    </dgm:linClrLst>
+    <dgm:effectClrLst/>
+    <dgm:txLinClrLst/>
+    <dgm:txFillClrLst meth="repeat">
+      <a:schemeClr val="tx1"/>
+    </dgm:txFillClrLst>
+    <dgm:txEffectClrLst/>
+  </dgm:styleLbl>
+  <dgm:styleLbl name="parChTrans1D2">
+    <dgm:fillClrLst meth="repeat">
+      <a:schemeClr val="accent2">
+        <a:tint val="90000"/>
+      </a:schemeClr>
+    </dgm:fillClrLst>
+    <dgm:linClrLst meth="repeat">
+      <a:schemeClr val="accent3"/>
+    </dgm:linClrLst>
+    <dgm:effectClrLst/>
+    <dgm:txLinClrLst/>
+    <dgm:txFillClrLst meth="repeat">
+      <a:schemeClr val="tx1"/>
+    </dgm:txFillClrLst>
+    <dgm:txEffectClrLst/>
+  </dgm:styleLbl>
+  <dgm:styleLbl name="parChTrans1D3">
+    <dgm:fillClrLst meth="repeat">
+      <a:schemeClr val="accent2">
+        <a:tint val="70000"/>
+      </a:schemeClr>
+    </dgm:fillClrLst>
+    <dgm:linClrLst meth="repeat">
+      <a:schemeClr val="accent4"/>
+    </dgm:linClrLst>
+    <dgm:effectClrLst/>
+    <dgm:txLinClrLst/>
+    <dgm:txFillClrLst meth="repeat">
+      <a:schemeClr val="tx1"/>
+    </dgm:txFillClrLst>
+    <dgm:txEffectClrLst/>
+  </dgm:styleLbl>
+  <dgm:styleLbl name="parChTrans1D4">
+    <dgm:fillClrLst meth="repeat">
+      <a:schemeClr val="accent2">
+        <a:tint val="50000"/>
+      </a:schemeClr>
+    </dgm:fillClrLst>
+    <dgm:linClrLst meth="repeat">
+      <a:schemeClr val="accent5"/>
+    </dgm:linClrLst>
+    <dgm:effectClrLst/>
+    <dgm:txLinClrLst/>
+    <dgm:txFillClrLst meth="repeat">
+      <a:schemeClr val="tx1"/>
+    </dgm:txFillClrLst>
+    <dgm:txEffectClrLst/>
+  </dgm:styleLbl>
+  <dgm:styleLbl name="fgAcc1">
+    <dgm:fillClrLst meth="repeat">
+      <a:schemeClr val="lt1">
+        <a:alpha val="90000"/>
+      </a:schemeClr>
+    </dgm:fillClrLst>
+    <dgm:linClrLst>
+      <a:schemeClr val="accent2"/>
+      <a:schemeClr val="accent3"/>
+    </dgm:linClrLst>
+    <dgm:effectClrLst/>
+    <dgm:txLinClrLst/>
+    <dgm:txFillClrLst meth="repeat">
+      <a:schemeClr val="dk1"/>
+    </dgm:txFillClrLst>
+    <dgm:txEffectClrLst/>
+  </dgm:styleLbl>
+  <dgm:styleLbl name="conFgAcc1">
+    <dgm:fillClrLst meth="repeat">
+      <a:schemeClr val="lt1">
+        <a:alpha val="90000"/>
+      </a:schemeClr>
+    </dgm:fillClrLst>
+    <dgm:linClrLst>
+      <a:schemeClr val="accent2"/>
+      <a:schemeClr val="accent3"/>
+    </dgm:linClrLst>
+    <dgm:effectClrLst/>
+    <dgm:txLinClrLst/>
+    <dgm:txFillClrLst meth="repeat">
+      <a:schemeClr val="dk1"/>
+    </dgm:txFillClrLst>
+    <dgm:txEffectClrLst/>
+  </dgm:styleLbl>
+  <dgm:styleLbl name="alignAcc1">
+    <dgm:fillClrLst meth="repeat">
+      <a:schemeClr val="lt1">
+        <a:alpha val="90000"/>
+      </a:schemeClr>
+    </dgm:fillClrLst>
+    <dgm:linClrLst>
+      <a:schemeClr val="accent2"/>
+      <a:schemeClr val="accent3"/>
+    </dgm:linClrLst>
+    <dgm:effectClrLst/>
+    <dgm:txLinClrLst/>
+    <dgm:txFillClrLst meth="repeat">
+      <a:schemeClr val="dk1"/>
+    </dgm:txFillClrLst>
+    <dgm:txEffectClrLst/>
+  </dgm:styleLbl>
+  <dgm:styleLbl name="trAlignAcc1">
+    <dgm:fillClrLst meth="repeat">
+      <a:schemeClr val="lt1">
+        <a:alpha val="40000"/>
+      </a:schemeClr>
+    </dgm:fillClrLst>
+    <dgm:linClrLst meth="repeat">
+      <a:schemeClr val="accent2"/>
+    </dgm:linClrLst>
+    <dgm:effectClrLst/>
+    <dgm:txLinClrLst/>
+    <dgm:txFillClrLst meth="repeat">
+      <a:schemeClr val="dk1"/>
+    </dgm:txFillClrLst>
+    <dgm:txEffectClrLst/>
+  </dgm:styleLbl>
+  <dgm:styleLbl name="bgAcc1">
+    <dgm:fillClrLst meth="repeat">
+      <a:schemeClr val="lt1">
+        <a:alpha val="90000"/>
+      </a:schemeClr>
+    </dgm:fillClrLst>
+    <dgm:linClrLst>
+      <a:schemeClr val="accent2"/>
+      <a:schemeClr val="accent3"/>
+    </dgm:linClrLst>
+    <dgm:effectClrLst/>
+    <dgm:txLinClrLst/>
+    <dgm:txFillClrLst meth="repeat">
+      <a:schemeClr val="dk1"/>
+    </dgm:txFillClrLst>
+    <dgm:txEffectClrLst/>
+  </dgm:styleLbl>
+  <dgm:styleLbl name="solidFgAcc1">
+    <dgm:fillClrLst meth="repeat">
+      <a:schemeClr val="lt1"/>
+    </dgm:fillClrLst>
+    <dgm:linClrLst>
+      <a:schemeClr val="accent2"/>
+      <a:schemeClr val="accent3"/>
+    </dgm:linClrLst>
+    <dgm:effectClrLst/>
+    <dgm:txLinClrLst/>
+    <dgm:txFillClrLst meth="repeat">
+      <a:schemeClr val="dk1"/>
+    </dgm:txFillClrLst>
+    <dgm:txEffectClrLst/>
+  </dgm:styleLbl>
+  <dgm:styleLbl name="solidAlignAcc1">
+    <dgm:fillClrLst meth="repeat">
+      <a:schemeClr val="lt1"/>
+    </dgm:fillClrLst>
+    <dgm:linClrLst>
+      <a:schemeClr val="accent2"/>
+      <a:schemeClr val="accent3"/>
+    </dgm:linClrLst>
+    <dgm:effectClrLst/>
+    <dgm:txLinClrLst/>
+    <dgm:txFillClrLst meth="repeat">
+      <a:schemeClr val="dk1"/>
+    </dgm:txFillClrLst>
+    <dgm:txEffectClrLst/>
+  </dgm:styleLbl>
+  <dgm:styleLbl name="solidBgAcc1">
+    <dgm:fillClrLst meth="repeat">
+      <a:schemeClr val="lt1"/>
+    </dgm:fillClrLst>
+    <dgm:linClrLst>
+      <a:schemeClr val="accent2"/>
+      <a:schemeClr val="accent3"/>
+    </dgm:linClrLst>
+    <dgm:effectClrLst/>
+    <dgm:txLinClrLst/>
+    <dgm:txFillClrLst meth="repeat">
+      <a:schemeClr val="dk1"/>
+    </dgm:txFillClrLst>
+    <dgm:txEffectClrLst/>
+  </dgm:styleLbl>
+  <dgm:styleLbl name="fgAccFollowNode1">
+    <dgm:fillClrLst>
+      <a:schemeClr val="accent2">
+        <a:tint val="40000"/>
+        <a:alpha val="90000"/>
+      </a:schemeClr>
+      <a:schemeClr val="accent3">
+        <a:tint val="40000"/>
+        <a:alpha val="90000"/>
+      </a:schemeClr>
+    </dgm:fillClrLst>
+    <dgm:linClrLst>
+      <a:schemeClr val="accent2">
+        <a:tint val="40000"/>
+        <a:alpha val="90000"/>
+      </a:schemeClr>
+      <a:schemeClr val="accent3">
+        <a:tint val="40000"/>
+        <a:alpha val="90000"/>
+      </a:schemeClr>
+    </dgm:linClrLst>
+    <dgm:effectClrLst/>
+    <dgm:txLinClrLst/>
+    <dgm:txFillClrLst meth="repeat">
+      <a:schemeClr val="dk1"/>
+    </dgm:txFillClrLst>
+    <dgm:txEffectClrLst/>
+  </dgm:styleLbl>
+  <dgm:styleLbl name="alignAccFollowNode1">
+    <dgm:fillClrLst>
+      <a:schemeClr val="accent2">
+        <a:tint val="40000"/>
+        <a:alpha val="90000"/>
+      </a:schemeClr>
+      <a:schemeClr val="accent3">
+        <a:tint val="40000"/>
+        <a:alpha val="90000"/>
+      </a:schemeClr>
+    </dgm:fillClrLst>
+    <dgm:linClrLst>
+      <a:schemeClr val="accent2">
+        <a:tint val="40000"/>
+        <a:alpha val="90000"/>
+      </a:schemeClr>
+      <a:schemeClr val="accent3">
+        <a:tint val="40000"/>
+        <a:alpha val="90000"/>
+      </a:schemeClr>
+    </dgm:linClrLst>
+    <dgm:effectClrLst/>
+    <dgm:txLinClrLst/>
+    <dgm:txFillClrLst meth="repeat">
+      <a:schemeClr val="dk1"/>
+    </dgm:txFillClrLst>
+    <dgm:txEffectClrLst/>
+  </dgm:styleLbl>
+  <dgm:styleLbl name="bgAccFollowNode1">
+    <dgm:fillClrLst>
+      <a:schemeClr val="accent2">
+        <a:tint val="40000"/>
+        <a:alpha val="90000"/>
+      </a:schemeClr>
+      <a:schemeClr val="accent3">
+        <a:tint val="40000"/>
+        <a:alpha val="90000"/>
+      </a:schemeClr>
+    </dgm:fillClrLst>
+    <dgm:linClrLst>
+      <a:schemeClr val="accent2">
+        <a:tint val="40000"/>
+        <a:alpha val="90000"/>
+      </a:schemeClr>
+      <a:schemeClr val="accent3">
+        <a:tint val="40000"/>
+        <a:alpha val="90000"/>
+      </a:schemeClr>
+    </dgm:linClrLst>
+    <dgm:effectClrLst/>
+    <dgm:txLinClrLst/>
+    <dgm:txFillClrLst meth="repeat">
+      <a:schemeClr val="dk1"/>
+    </dgm:txFillClrLst>
+    <dgm:txEffectClrLst/>
+  </dgm:styleLbl>
+  <dgm:styleLbl name="fgAcc0">
+    <dgm:fillClrLst meth="repeat">
+      <a:schemeClr val="lt1">
+        <a:alpha val="90000"/>
+      </a:schemeClr>
+    </dgm:fillClrLst>
+    <dgm:linClrLst>
+      <a:schemeClr val="accent1"/>
+    </dgm:linClrLst>
+    <dgm:effectClrLst/>
+    <dgm:txLinClrLst/>
+    <dgm:txFillClrLst meth="repeat">
+      <a:schemeClr val="dk1"/>
+    </dgm:txFillClrLst>
+    <dgm:txEffectClrLst/>
+  </dgm:styleLbl>
+  <dgm:styleLbl name="fgAcc2">
+    <dgm:fillClrLst meth="repeat">
+      <a:schemeClr val="lt1">
+        <a:alpha val="90000"/>
+      </a:schemeClr>
+    </dgm:fillClrLst>
+    <dgm:linClrLst>
+      <a:schemeClr val="accent3"/>
+    </dgm:linClrLst>
+    <dgm:effectClrLst/>
+    <dgm:txLinClrLst/>
+    <dgm:txFillClrLst meth="repeat">
+      <a:schemeClr val="dk1"/>
+    </dgm:txFillClrLst>
+    <dgm:txEffectClrLst/>
+  </dgm:styleLbl>
+  <dgm:styleLbl name="fgAcc3">
+    <dgm:fillClrLst meth="repeat">
+      <a:schemeClr val="lt1">
+        <a:alpha val="90000"/>
+      </a:schemeClr>
+    </dgm:fillClrLst>
+    <dgm:linClrLst>
+      <a:schemeClr val="accent4"/>
+    </dgm:linClrLst>
+    <dgm:effectClrLst/>
+    <dgm:txLinClrLst/>
+    <dgm:txFillClrLst meth="repeat">
+      <a:schemeClr val="dk1"/>
+    </dgm:txFillClrLst>
+    <dgm:txEffectClrLst/>
+  </dgm:styleLbl>
+  <dgm:styleLbl name="fgAcc4">
+    <dgm:fillClrLst meth="repeat">
+      <a:schemeClr val="lt1">
+        <a:alpha val="90000"/>
+      </a:schemeClr>
+    </dgm:fillClrLst>
+    <dgm:linClrLst>
+      <a:schemeClr val="accent5"/>
+    </dgm:linClrLst>
+    <dgm:effectClrLst/>
+    <dgm:txLinClrLst/>
+    <dgm:txFillClrLst meth="repeat">
+      <a:schemeClr val="dk1"/>
+    </dgm:txFillClrLst>
+    <dgm:txEffectClrLst/>
+  </dgm:styleLbl>
+  <dgm:styleLbl name="bgShp">
+    <dgm:fillClrLst meth="repeat">
+      <a:schemeClr val="accent2">
+        <a:tint val="40000"/>
+      </a:schemeClr>
+    </dgm:fillClrLst>
+    <dgm:linClrLst meth="repeat">
+      <a:schemeClr val="dk1"/>
+    </dgm:linClrLst>
+    <dgm:effectClrLst/>
+    <dgm:txLinClrLst/>
+    <dgm:txFillClrLst meth="repeat">
+      <a:schemeClr val="dk1"/>
+    </dgm:txFillClrLst>
+    <dgm:txEffectClrLst/>
+  </dgm:styleLbl>
+  <dgm:styleLbl name="dkBgShp">
+    <dgm:fillClrLst meth="repeat">
+      <a:schemeClr val="accent2">
+        <a:shade val="90000"/>
+      </a:schemeClr>
+    </dgm:fillClrLst>
+    <dgm:linClrLst meth="repeat">
+      <a:schemeClr val="dk1"/>
+    </dgm:linClrLst>
+    <dgm:effectClrLst/>
+    <dgm:txLinClrLst/>
+    <dgm:txFillClrLst meth="repeat">
+      <a:schemeClr val="lt1"/>
+    </dgm:txFillClrLst>
+    <dgm:txEffectClrLst/>
+  </dgm:styleLbl>
+  <dgm:styleLbl name="trBgShp">
+    <dgm:fillClrLst meth="repeat">
+      <a:schemeClr val="accent2">
+        <a:tint val="50000"/>
+        <a:alpha val="40000"/>
+      </a:schemeClr>
+    </dgm:fillClrLst>
+    <dgm:linClrLst meth="repeat">
+      <a:schemeClr val="accent2"/>
+    </dgm:linClrLst>
+    <dgm:effectClrLst/>
+    <dgm:txLinClrLst/>
+    <dgm:txFillClrLst meth="repeat">
+      <a:schemeClr val="lt1"/>
+    </dgm:txFillClrLst>
+    <dgm:txEffectClrLst/>
+  </dgm:styleLbl>
+  <dgm:styleLbl name="fgShp">
+    <dgm:fillClrLst meth="repeat">
+      <a:schemeClr val="accent2">
+        <a:tint val="40000"/>
       </a:schemeClr>
     </dgm:fillClrLst>
     <dgm:linClrLst meth="repeat">
@@ -1456,6 +2239,144 @@
 </dgm:dataModel>
 </file>
 
+<file path=ppt/diagrams/data2.xml><?xml version="1.0" encoding="utf-8"?>
+<dgm:dataModel xmlns:dgm="http://schemas.openxmlformats.org/drawingml/2006/diagram" xmlns:a="http://schemas.openxmlformats.org/drawingml/2006/main">
+  <dgm:ptLst>
+    <dgm:pt modelId="{02C02F6A-4105-4D75-83B1-2BF3440B74CD}" type="doc">
+      <dgm:prSet loTypeId="urn:microsoft.com/office/officeart/2005/8/layout/vList2" loCatId="list" qsTypeId="urn:microsoft.com/office/officeart/2005/8/quickstyle/simple1" qsCatId="simple" csTypeId="urn:microsoft.com/office/officeart/2005/8/colors/colorful2" csCatId="colorful"/>
+      <dgm:spPr/>
+      <dgm:t>
+        <a:bodyPr/>
+        <a:lstStyle/>
+        <a:p>
+          <a:endParaRPr lang="en-US"/>
+        </a:p>
+      </dgm:t>
+    </dgm:pt>
+    <dgm:pt modelId="{126EEEA8-9508-4858-B55F-BE256D8010F5}">
+      <dgm:prSet/>
+      <dgm:spPr/>
+      <dgm:t>
+        <a:bodyPr/>
+        <a:lstStyle/>
+        <a:p>
+          <a:r>
+            <a:rPr lang="en-US"/>
+            <a:t>The random forest uses many trees, and it makes a prediction by averaging the predictions of each component tree. </a:t>
+          </a:r>
+        </a:p>
+      </dgm:t>
+    </dgm:pt>
+    <dgm:pt modelId="{77757DF2-6D7A-445B-948A-33F8F4229844}" type="parTrans" cxnId="{EC4D28B0-F17C-4615-80F3-0EA91BCA3E33}">
+      <dgm:prSet/>
+      <dgm:spPr/>
+      <dgm:t>
+        <a:bodyPr/>
+        <a:lstStyle/>
+        <a:p>
+          <a:endParaRPr lang="en-US"/>
+        </a:p>
+      </dgm:t>
+    </dgm:pt>
+    <dgm:pt modelId="{F0FB635F-2E80-450D-B991-351254A70A8B}" type="sibTrans" cxnId="{EC4D28B0-F17C-4615-80F3-0EA91BCA3E33}">
+      <dgm:prSet/>
+      <dgm:spPr/>
+      <dgm:t>
+        <a:bodyPr/>
+        <a:lstStyle/>
+        <a:p>
+          <a:endParaRPr lang="en-US"/>
+        </a:p>
+      </dgm:t>
+    </dgm:pt>
+    <dgm:pt modelId="{1C7C0E79-F0C4-4E6D-82BE-528C4DFEA2F0}">
+      <dgm:prSet/>
+      <dgm:spPr/>
+      <dgm:t>
+        <a:bodyPr/>
+        <a:lstStyle/>
+        <a:p>
+          <a:r>
+            <a:rPr lang="en-US"/>
+            <a:t>It generally has much better predictive accuracy than a single decision tree and it works well with default parameters.</a:t>
+          </a:r>
+        </a:p>
+      </dgm:t>
+    </dgm:pt>
+    <dgm:pt modelId="{7BC7E938-0F9D-4889-99A7-ED768EDBE474}" type="parTrans" cxnId="{690FC437-26A2-4877-A1BA-6FF460E7DF55}">
+      <dgm:prSet/>
+      <dgm:spPr/>
+      <dgm:t>
+        <a:bodyPr/>
+        <a:lstStyle/>
+        <a:p>
+          <a:endParaRPr lang="en-US"/>
+        </a:p>
+      </dgm:t>
+    </dgm:pt>
+    <dgm:pt modelId="{7F33BA40-1B4A-4DA2-B20C-E3A4B0B1CA2F}" type="sibTrans" cxnId="{690FC437-26A2-4877-A1BA-6FF460E7DF55}">
+      <dgm:prSet/>
+      <dgm:spPr/>
+      <dgm:t>
+        <a:bodyPr/>
+        <a:lstStyle/>
+        <a:p>
+          <a:endParaRPr lang="en-US"/>
+        </a:p>
+      </dgm:t>
+    </dgm:pt>
+    <dgm:pt modelId="{1E5331BF-36E0-BB49-9B76-83C1C5CBF0FA}" type="pres">
+      <dgm:prSet presAssocID="{02C02F6A-4105-4D75-83B1-2BF3440B74CD}" presName="linear" presStyleCnt="0">
+        <dgm:presLayoutVars>
+          <dgm:animLvl val="lvl"/>
+          <dgm:resizeHandles val="exact"/>
+        </dgm:presLayoutVars>
+      </dgm:prSet>
+      <dgm:spPr/>
+    </dgm:pt>
+    <dgm:pt modelId="{70200716-F8BB-6342-9E27-D6F5C39E6E0F}" type="pres">
+      <dgm:prSet presAssocID="{126EEEA8-9508-4858-B55F-BE256D8010F5}" presName="parentText" presStyleLbl="node1" presStyleIdx="0" presStyleCnt="2">
+        <dgm:presLayoutVars>
+          <dgm:chMax val="0"/>
+          <dgm:bulletEnabled val="1"/>
+        </dgm:presLayoutVars>
+      </dgm:prSet>
+      <dgm:spPr/>
+    </dgm:pt>
+    <dgm:pt modelId="{22C77856-D80E-6344-943F-4406E5832396}" type="pres">
+      <dgm:prSet presAssocID="{F0FB635F-2E80-450D-B991-351254A70A8B}" presName="spacer" presStyleCnt="0"/>
+      <dgm:spPr/>
+    </dgm:pt>
+    <dgm:pt modelId="{3BDBBBC6-A06D-3347-BED8-0AD646D0A38C}" type="pres">
+      <dgm:prSet presAssocID="{1C7C0E79-F0C4-4E6D-82BE-528C4DFEA2F0}" presName="parentText" presStyleLbl="node1" presStyleIdx="1" presStyleCnt="2">
+        <dgm:presLayoutVars>
+          <dgm:chMax val="0"/>
+          <dgm:bulletEnabled val="1"/>
+        </dgm:presLayoutVars>
+      </dgm:prSet>
+      <dgm:spPr/>
+    </dgm:pt>
+  </dgm:ptLst>
+  <dgm:cxnLst>
+    <dgm:cxn modelId="{690FC437-26A2-4877-A1BA-6FF460E7DF55}" srcId="{02C02F6A-4105-4D75-83B1-2BF3440B74CD}" destId="{1C7C0E79-F0C4-4E6D-82BE-528C4DFEA2F0}" srcOrd="1" destOrd="0" parTransId="{7BC7E938-0F9D-4889-99A7-ED768EDBE474}" sibTransId="{7F33BA40-1B4A-4DA2-B20C-E3A4B0B1CA2F}"/>
+    <dgm:cxn modelId="{4D532969-EA8D-5F4F-9CDB-56BFF7453C3A}" type="presOf" srcId="{02C02F6A-4105-4D75-83B1-2BF3440B74CD}" destId="{1E5331BF-36E0-BB49-9B76-83C1C5CBF0FA}" srcOrd="0" destOrd="0" presId="urn:microsoft.com/office/officeart/2005/8/layout/vList2"/>
+    <dgm:cxn modelId="{A29E5994-A7E2-4947-A1CB-9AD61335C78B}" type="presOf" srcId="{1C7C0E79-F0C4-4E6D-82BE-528C4DFEA2F0}" destId="{3BDBBBC6-A06D-3347-BED8-0AD646D0A38C}" srcOrd="0" destOrd="0" presId="urn:microsoft.com/office/officeart/2005/8/layout/vList2"/>
+    <dgm:cxn modelId="{EC4D28B0-F17C-4615-80F3-0EA91BCA3E33}" srcId="{02C02F6A-4105-4D75-83B1-2BF3440B74CD}" destId="{126EEEA8-9508-4858-B55F-BE256D8010F5}" srcOrd="0" destOrd="0" parTransId="{77757DF2-6D7A-445B-948A-33F8F4229844}" sibTransId="{F0FB635F-2E80-450D-B991-351254A70A8B}"/>
+    <dgm:cxn modelId="{ADE05CFC-117F-F240-AF7E-35216A047B45}" type="presOf" srcId="{126EEEA8-9508-4858-B55F-BE256D8010F5}" destId="{70200716-F8BB-6342-9E27-D6F5C39E6E0F}" srcOrd="0" destOrd="0" presId="urn:microsoft.com/office/officeart/2005/8/layout/vList2"/>
+    <dgm:cxn modelId="{90C9730D-11AF-4C49-8CBC-223F3C2E2DF7}" type="presParOf" srcId="{1E5331BF-36E0-BB49-9B76-83C1C5CBF0FA}" destId="{70200716-F8BB-6342-9E27-D6F5C39E6E0F}" srcOrd="0" destOrd="0" presId="urn:microsoft.com/office/officeart/2005/8/layout/vList2"/>
+    <dgm:cxn modelId="{3E5FC659-D988-1641-AD46-ABA80925E227}" type="presParOf" srcId="{1E5331BF-36E0-BB49-9B76-83C1C5CBF0FA}" destId="{22C77856-D80E-6344-943F-4406E5832396}" srcOrd="1" destOrd="0" presId="urn:microsoft.com/office/officeart/2005/8/layout/vList2"/>
+    <dgm:cxn modelId="{E1AB56F7-E58B-9C4C-9ED7-FC45D9AA1AAA}" type="presParOf" srcId="{1E5331BF-36E0-BB49-9B76-83C1C5CBF0FA}" destId="{3BDBBBC6-A06D-3347-BED8-0AD646D0A38C}" srcOrd="2" destOrd="0" presId="urn:microsoft.com/office/officeart/2005/8/layout/vList2"/>
+  </dgm:cxnLst>
+  <dgm:bg/>
+  <dgm:whole/>
+  <dgm:extLst>
+    <a:ext uri="http://schemas.microsoft.com/office/drawing/2008/diagram">
+      <dsp:dataModelExt xmlns:dsp="http://schemas.microsoft.com/office/drawing/2008/diagram" relId="rId7" minVer="http://schemas.openxmlformats.org/drawingml/2006/diagram"/>
+    </a:ext>
+  </dgm:extLst>
+</dgm:dataModel>
+</file>
+
 <file path=ppt/diagrams/drawing1.xml><?xml version="1.0" encoding="utf-8"?>
 <dsp:drawing xmlns:dgm="http://schemas.openxmlformats.org/drawingml/2006/diagram" xmlns:dsp="http://schemas.microsoft.com/office/drawing/2008/diagram" xmlns:a="http://schemas.openxmlformats.org/drawingml/2006/main">
   <dsp:spTree>
@@ -2318,6 +3239,174 @@
       <dsp:txXfrm>
         <a:off x="764247" y="3622434"/>
         <a:ext cx="9995582" cy="723382"/>
+      </dsp:txXfrm>
+    </dsp:sp>
+  </dsp:spTree>
+</dsp:drawing>
+</file>
+
+<file path=ppt/diagrams/drawing2.xml><?xml version="1.0" encoding="utf-8"?>
+<dsp:drawing xmlns:dgm="http://schemas.openxmlformats.org/drawingml/2006/diagram" xmlns:dsp="http://schemas.microsoft.com/office/drawing/2008/diagram" xmlns:a="http://schemas.openxmlformats.org/drawingml/2006/main">
+  <dsp:spTree>
+    <dsp:nvGrpSpPr>
+      <dsp:cNvPr id="0" name=""/>
+      <dsp:cNvGrpSpPr/>
+    </dsp:nvGrpSpPr>
+    <dsp:grpSpPr/>
+    <dsp:sp modelId="{70200716-F8BB-6342-9E27-D6F5C39E6E0F}">
+      <dsp:nvSpPr>
+        <dsp:cNvPr id="0" name=""/>
+        <dsp:cNvSpPr/>
+      </dsp:nvSpPr>
+      <dsp:spPr>
+        <a:xfrm>
+          <a:off x="0" y="31329"/>
+          <a:ext cx="10515600" cy="2089619"/>
+        </a:xfrm>
+        <a:prstGeom prst="roundRect">
+          <a:avLst/>
+        </a:prstGeom>
+        <a:solidFill>
+          <a:schemeClr val="accent2">
+            <a:hueOff val="0"/>
+            <a:satOff val="0"/>
+            <a:lumOff val="0"/>
+            <a:alphaOff val="0"/>
+          </a:schemeClr>
+        </a:solidFill>
+        <a:ln w="12700" cap="flat" cmpd="sng" algn="ctr">
+          <a:solidFill>
+            <a:schemeClr val="lt1">
+              <a:hueOff val="0"/>
+              <a:satOff val="0"/>
+              <a:lumOff val="0"/>
+              <a:alphaOff val="0"/>
+            </a:schemeClr>
+          </a:solidFill>
+          <a:prstDash val="solid"/>
+          <a:miter lim="800000"/>
+        </a:ln>
+        <a:effectLst/>
+      </dsp:spPr>
+      <dsp:style>
+        <a:lnRef idx="2">
+          <a:scrgbClr r="0" g="0" b="0"/>
+        </a:lnRef>
+        <a:fillRef idx="1">
+          <a:scrgbClr r="0" g="0" b="0"/>
+        </a:fillRef>
+        <a:effectRef idx="0">
+          <a:scrgbClr r="0" g="0" b="0"/>
+        </a:effectRef>
+        <a:fontRef idx="minor">
+          <a:schemeClr val="lt1"/>
+        </a:fontRef>
+      </dsp:style>
+      <dsp:txBody>
+        <a:bodyPr spcFirstLastPara="0" vert="horz" wrap="square" lIns="144780" tIns="144780" rIns="144780" bIns="144780" numCol="1" spcCol="1270" anchor="ctr" anchorCtr="0">
+          <a:noAutofit/>
+        </a:bodyPr>
+        <a:lstStyle/>
+        <a:p>
+          <a:pPr marL="0" lvl="0" indent="0" algn="l" defTabSz="1689100">
+            <a:lnSpc>
+              <a:spcPct val="90000"/>
+            </a:lnSpc>
+            <a:spcBef>
+              <a:spcPct val="0"/>
+            </a:spcBef>
+            <a:spcAft>
+              <a:spcPct val="35000"/>
+            </a:spcAft>
+            <a:buNone/>
+          </a:pPr>
+          <a:r>
+            <a:rPr lang="en-US" sz="3800" kern="1200"/>
+            <a:t>The random forest uses many trees, and it makes a prediction by averaging the predictions of each component tree. </a:t>
+          </a:r>
+        </a:p>
+      </dsp:txBody>
+      <dsp:txXfrm>
+        <a:off x="102007" y="133336"/>
+        <a:ext cx="10311586" cy="1885605"/>
+      </dsp:txXfrm>
+    </dsp:sp>
+    <dsp:sp modelId="{3BDBBBC6-A06D-3347-BED8-0AD646D0A38C}">
+      <dsp:nvSpPr>
+        <dsp:cNvPr id="0" name=""/>
+        <dsp:cNvSpPr/>
+      </dsp:nvSpPr>
+      <dsp:spPr>
+        <a:xfrm>
+          <a:off x="0" y="2230389"/>
+          <a:ext cx="10515600" cy="2089619"/>
+        </a:xfrm>
+        <a:prstGeom prst="roundRect">
+          <a:avLst/>
+        </a:prstGeom>
+        <a:solidFill>
+          <a:schemeClr val="accent2">
+            <a:hueOff val="-1455363"/>
+            <a:satOff val="-83928"/>
+            <a:lumOff val="8628"/>
+            <a:alphaOff val="0"/>
+          </a:schemeClr>
+        </a:solidFill>
+        <a:ln w="12700" cap="flat" cmpd="sng" algn="ctr">
+          <a:solidFill>
+            <a:schemeClr val="lt1">
+              <a:hueOff val="0"/>
+              <a:satOff val="0"/>
+              <a:lumOff val="0"/>
+              <a:alphaOff val="0"/>
+            </a:schemeClr>
+          </a:solidFill>
+          <a:prstDash val="solid"/>
+          <a:miter lim="800000"/>
+        </a:ln>
+        <a:effectLst/>
+      </dsp:spPr>
+      <dsp:style>
+        <a:lnRef idx="2">
+          <a:scrgbClr r="0" g="0" b="0"/>
+        </a:lnRef>
+        <a:fillRef idx="1">
+          <a:scrgbClr r="0" g="0" b="0"/>
+        </a:fillRef>
+        <a:effectRef idx="0">
+          <a:scrgbClr r="0" g="0" b="0"/>
+        </a:effectRef>
+        <a:fontRef idx="minor">
+          <a:schemeClr val="lt1"/>
+        </a:fontRef>
+      </dsp:style>
+      <dsp:txBody>
+        <a:bodyPr spcFirstLastPara="0" vert="horz" wrap="square" lIns="144780" tIns="144780" rIns="144780" bIns="144780" numCol="1" spcCol="1270" anchor="ctr" anchorCtr="0">
+          <a:noAutofit/>
+        </a:bodyPr>
+        <a:lstStyle/>
+        <a:p>
+          <a:pPr marL="0" lvl="0" indent="0" algn="l" defTabSz="1689100">
+            <a:lnSpc>
+              <a:spcPct val="90000"/>
+            </a:lnSpc>
+            <a:spcBef>
+              <a:spcPct val="0"/>
+            </a:spcBef>
+            <a:spcAft>
+              <a:spcPct val="35000"/>
+            </a:spcAft>
+            <a:buNone/>
+          </a:pPr>
+          <a:r>
+            <a:rPr lang="en-US" sz="3800" kern="1200"/>
+            <a:t>It generally has much better predictive accuracy than a single decision tree and it works well with default parameters.</a:t>
+          </a:r>
+        </a:p>
+      </dsp:txBody>
+      <dsp:txXfrm>
+        <a:off x="102007" y="2332396"/>
+        <a:ext cx="10311586" cy="1885605"/>
       </dsp:txXfrm>
     </dsp:sp>
   </dsp:spTree>
@@ -2618,7 +3707,1208 @@
 </dgm:layoutDef>
 </file>
 
+<file path=ppt/diagrams/layout2.xml><?xml version="1.0" encoding="utf-8"?>
+<dgm:layoutDef xmlns:dgm="http://schemas.openxmlformats.org/drawingml/2006/diagram" xmlns:a="http://schemas.openxmlformats.org/drawingml/2006/main" uniqueId="urn:microsoft.com/office/officeart/2005/8/layout/vList2">
+  <dgm:title val=""/>
+  <dgm:desc val=""/>
+  <dgm:catLst>
+    <dgm:cat type="list" pri="3000"/>
+    <dgm:cat type="convert" pri="1000"/>
+  </dgm:catLst>
+  <dgm:sampData>
+    <dgm:dataModel>
+      <dgm:ptLst>
+        <dgm:pt modelId="0" type="doc"/>
+        <dgm:pt modelId="1">
+          <dgm:prSet phldr="1"/>
+        </dgm:pt>
+        <dgm:pt modelId="11">
+          <dgm:prSet phldr="1"/>
+        </dgm:pt>
+        <dgm:pt modelId="2">
+          <dgm:prSet phldr="1"/>
+        </dgm:pt>
+        <dgm:pt modelId="21">
+          <dgm:prSet phldr="1"/>
+        </dgm:pt>
+      </dgm:ptLst>
+      <dgm:cxnLst>
+        <dgm:cxn modelId="4" srcId="0" destId="1" srcOrd="0" destOrd="0"/>
+        <dgm:cxn modelId="5" srcId="0" destId="2" srcOrd="1" destOrd="0"/>
+        <dgm:cxn modelId="12" srcId="1" destId="11" srcOrd="0" destOrd="0"/>
+        <dgm:cxn modelId="23" srcId="2" destId="21" srcOrd="0" destOrd="0"/>
+      </dgm:cxnLst>
+      <dgm:bg/>
+      <dgm:whole/>
+    </dgm:dataModel>
+  </dgm:sampData>
+  <dgm:styleData>
+    <dgm:dataModel>
+      <dgm:ptLst>
+        <dgm:pt modelId="0" type="doc"/>
+        <dgm:pt modelId="1"/>
+        <dgm:pt modelId="2"/>
+      </dgm:ptLst>
+      <dgm:cxnLst>
+        <dgm:cxn modelId="3" srcId="0" destId="1" srcOrd="0" destOrd="0"/>
+        <dgm:cxn modelId="4" srcId="0" destId="2" srcOrd="1" destOrd="0"/>
+      </dgm:cxnLst>
+      <dgm:bg/>
+      <dgm:whole/>
+    </dgm:dataModel>
+  </dgm:styleData>
+  <dgm:clrData>
+    <dgm:dataModel>
+      <dgm:ptLst>
+        <dgm:pt modelId="0" type="doc"/>
+        <dgm:pt modelId="1"/>
+        <dgm:pt modelId="2"/>
+        <dgm:pt modelId="3"/>
+        <dgm:pt modelId="4"/>
+      </dgm:ptLst>
+      <dgm:cxnLst>
+        <dgm:cxn modelId="5" srcId="0" destId="1" srcOrd="0" destOrd="0"/>
+        <dgm:cxn modelId="6" srcId="0" destId="2" srcOrd="1" destOrd="0"/>
+        <dgm:cxn modelId="7" srcId="0" destId="3" srcOrd="2" destOrd="0"/>
+        <dgm:cxn modelId="8" srcId="0" destId="4" srcOrd="3" destOrd="0"/>
+      </dgm:cxnLst>
+      <dgm:bg/>
+      <dgm:whole/>
+    </dgm:dataModel>
+  </dgm:clrData>
+  <dgm:layoutNode name="linear">
+    <dgm:varLst>
+      <dgm:animLvl val="lvl"/>
+      <dgm:resizeHandles val="exact"/>
+    </dgm:varLst>
+    <dgm:alg type="lin">
+      <dgm:param type="linDir" val="fromT"/>
+      <dgm:param type="vertAlign" val="mid"/>
+    </dgm:alg>
+    <dgm:shape xmlns:r="http://schemas.openxmlformats.org/officeDocument/2006/relationships" r:blip="">
+      <dgm:adjLst/>
+    </dgm:shape>
+    <dgm:presOf/>
+    <dgm:constrLst>
+      <dgm:constr type="w" for="ch" forName="parentText" refType="w"/>
+      <dgm:constr type="h" for="ch" forName="parentText" refType="primFontSz" refFor="ch" refForName="parentText" fact="0.52"/>
+      <dgm:constr type="w" for="ch" forName="childText" refType="w"/>
+      <dgm:constr type="h" for="ch" forName="childText" refType="primFontSz" refFor="ch" refForName="parentText" fact="0.46"/>
+      <dgm:constr type="h" for="ch" forName="parentText" op="equ"/>
+      <dgm:constr type="primFontSz" for="ch" forName="parentText" op="equ" val="65"/>
+      <dgm:constr type="primFontSz" for="ch" forName="childText" refType="primFontSz" refFor="ch" refForName="parentText" op="equ"/>
+      <dgm:constr type="h" for="ch" forName="spacer" refType="primFontSz" refFor="ch" refForName="parentText" fact="0.08"/>
+    </dgm:constrLst>
+    <dgm:ruleLst>
+      <dgm:rule type="primFontSz" for="ch" forName="parentText" val="5" fact="NaN" max="NaN"/>
+    </dgm:ruleLst>
+    <dgm:forEach name="Name0" axis="ch" ptType="node">
+      <dgm:layoutNode name="parentText" styleLbl="node1">
+        <dgm:varLst>
+          <dgm:chMax val="0"/>
+          <dgm:bulletEnabled val="1"/>
+        </dgm:varLst>
+        <dgm:alg type="tx">
+          <dgm:param type="parTxLTRAlign" val="l"/>
+          <dgm:param type="parTxRTLAlign" val="r"/>
+        </dgm:alg>
+        <dgm:shape xmlns:r="http://schemas.openxmlformats.org/officeDocument/2006/relationships" type="roundRect" r:blip="">
+          <dgm:adjLst/>
+        </dgm:shape>
+        <dgm:presOf axis="self"/>
+        <dgm:constrLst>
+          <dgm:constr type="tMarg" refType="primFontSz" fact="0.3"/>
+          <dgm:constr type="bMarg" refType="primFontSz" fact="0.3"/>
+          <dgm:constr type="lMarg" refType="primFontSz" fact="0.3"/>
+          <dgm:constr type="rMarg" refType="primFontSz" fact="0.3"/>
+        </dgm:constrLst>
+        <dgm:ruleLst>
+          <dgm:rule type="h" val="INF" fact="NaN" max="NaN"/>
+        </dgm:ruleLst>
+      </dgm:layoutNode>
+      <dgm:choose name="Name1">
+        <dgm:if name="Name2" axis="ch" ptType="node" func="cnt" op="gte" val="1">
+          <dgm:layoutNode name="childText" styleLbl="revTx">
+            <dgm:varLst>
+              <dgm:bulletEnabled val="1"/>
+            </dgm:varLst>
+            <dgm:alg type="tx">
+              <dgm:param type="stBulletLvl" val="1"/>
+              <dgm:param type="lnSpAfChP" val="20"/>
+            </dgm:alg>
+            <dgm:shape xmlns:r="http://schemas.openxmlformats.org/officeDocument/2006/relationships" type="rect" r:blip="">
+              <dgm:adjLst/>
+            </dgm:shape>
+            <dgm:presOf axis="des" ptType="node"/>
+            <dgm:constrLst>
+              <dgm:constr type="tMarg" refType="primFontSz" fact="0.1"/>
+              <dgm:constr type="bMarg" refType="primFontSz" fact="0.1"/>
+              <dgm:constr type="lMarg" refType="w" fact="0.09"/>
+            </dgm:constrLst>
+            <dgm:ruleLst>
+              <dgm:rule type="h" val="INF" fact="NaN" max="NaN"/>
+            </dgm:ruleLst>
+          </dgm:layoutNode>
+        </dgm:if>
+        <dgm:else name="Name3">
+          <dgm:choose name="Name4">
+            <dgm:if name="Name5" axis="par ch" ptType="doc node" func="cnt" op="gte" val="2">
+              <dgm:forEach name="Name6" axis="followSib" ptType="sibTrans" cnt="1">
+                <dgm:layoutNode name="spacer">
+                  <dgm:alg type="sp"/>
+                  <dgm:shape xmlns:r="http://schemas.openxmlformats.org/officeDocument/2006/relationships" r:blip="">
+                    <dgm:adjLst/>
+                  </dgm:shape>
+                  <dgm:presOf/>
+                  <dgm:constrLst/>
+                  <dgm:ruleLst/>
+                </dgm:layoutNode>
+              </dgm:forEach>
+            </dgm:if>
+            <dgm:else name="Name7"/>
+          </dgm:choose>
+        </dgm:else>
+      </dgm:choose>
+    </dgm:forEach>
+  </dgm:layoutNode>
+</dgm:layoutDef>
+</file>
+
 <file path=ppt/diagrams/quickStyle1.xml><?xml version="1.0" encoding="utf-8"?>
+<dgm:styleDef xmlns:dgm="http://schemas.openxmlformats.org/drawingml/2006/diagram" xmlns:a="http://schemas.openxmlformats.org/drawingml/2006/main" uniqueId="urn:microsoft.com/office/officeart/2005/8/quickstyle/simple1">
+  <dgm:title val=""/>
+  <dgm:desc val=""/>
+  <dgm:catLst>
+    <dgm:cat type="simple" pri="10100"/>
+  </dgm:catLst>
+  <dgm:scene3d>
+    <a:camera prst="orthographicFront"/>
+    <a:lightRig rig="threePt" dir="t"/>
+  </dgm:scene3d>
+  <dgm:styleLbl name="node0">
+    <dgm:scene3d>
+      <a:camera prst="orthographicFront"/>
+      <a:lightRig rig="threePt" dir="t"/>
+    </dgm:scene3d>
+    <dgm:sp3d/>
+    <dgm:txPr/>
+    <dgm:style>
+      <a:lnRef idx="2">
+        <a:scrgbClr r="0" g="0" b="0"/>
+      </a:lnRef>
+      <a:fillRef idx="1">
+        <a:scrgbClr r="0" g="0" b="0"/>
+      </a:fillRef>
+      <a:effectRef idx="0">
+        <a:scrgbClr r="0" g="0" b="0"/>
+      </a:effectRef>
+      <a:fontRef idx="minor">
+        <a:schemeClr val="lt1"/>
+      </a:fontRef>
+    </dgm:style>
+  </dgm:styleLbl>
+  <dgm:styleLbl name="lnNode1">
+    <dgm:scene3d>
+      <a:camera prst="orthographicFront"/>
+      <a:lightRig rig="threePt" dir="t"/>
+    </dgm:scene3d>
+    <dgm:sp3d/>
+    <dgm:txPr/>
+    <dgm:style>
+      <a:lnRef idx="2">
+        <a:scrgbClr r="0" g="0" b="0"/>
+      </a:lnRef>
+      <a:fillRef idx="1">
+        <a:scrgbClr r="0" g="0" b="0"/>
+      </a:fillRef>
+      <a:effectRef idx="0">
+        <a:scrgbClr r="0" g="0" b="0"/>
+      </a:effectRef>
+      <a:fontRef idx="minor">
+        <a:schemeClr val="lt1"/>
+      </a:fontRef>
+    </dgm:style>
+  </dgm:styleLbl>
+  <dgm:styleLbl name="vennNode1">
+    <dgm:scene3d>
+      <a:camera prst="orthographicFront"/>
+      <a:lightRig rig="threePt" dir="t"/>
+    </dgm:scene3d>
+    <dgm:sp3d/>
+    <dgm:txPr/>
+    <dgm:style>
+      <a:lnRef idx="2">
+        <a:scrgbClr r="0" g="0" b="0"/>
+      </a:lnRef>
+      <a:fillRef idx="1">
+        <a:scrgbClr r="0" g="0" b="0"/>
+      </a:fillRef>
+      <a:effectRef idx="0">
+        <a:scrgbClr r="0" g="0" b="0"/>
+      </a:effectRef>
+      <a:fontRef idx="minor">
+        <a:schemeClr val="tx1"/>
+      </a:fontRef>
+    </dgm:style>
+  </dgm:styleLbl>
+  <dgm:styleLbl name="alignNode1">
+    <dgm:scene3d>
+      <a:camera prst="orthographicFront"/>
+      <a:lightRig rig="threePt" dir="t"/>
+    </dgm:scene3d>
+    <dgm:sp3d/>
+    <dgm:txPr/>
+    <dgm:style>
+      <a:lnRef idx="2">
+        <a:scrgbClr r="0" g="0" b="0"/>
+      </a:lnRef>
+      <a:fillRef idx="1">
+        <a:scrgbClr r="0" g="0" b="0"/>
+      </a:fillRef>
+      <a:effectRef idx="0">
+        <a:scrgbClr r="0" g="0" b="0"/>
+      </a:effectRef>
+      <a:fontRef idx="minor">
+        <a:schemeClr val="lt1"/>
+      </a:fontRef>
+    </dgm:style>
+  </dgm:styleLbl>
+  <dgm:styleLbl name="node1">
+    <dgm:scene3d>
+      <a:camera prst="orthographicFront"/>
+      <a:lightRig rig="threePt" dir="t"/>
+    </dgm:scene3d>
+    <dgm:sp3d/>
+    <dgm:txPr/>
+    <dgm:style>
+      <a:lnRef idx="2">
+        <a:scrgbClr r="0" g="0" b="0"/>
+      </a:lnRef>
+      <a:fillRef idx="1">
+        <a:scrgbClr r="0" g="0" b="0"/>
+      </a:fillRef>
+      <a:effectRef idx="0">
+        <a:scrgbClr r="0" g="0" b="0"/>
+      </a:effectRef>
+      <a:fontRef idx="minor">
+        <a:schemeClr val="lt1"/>
+      </a:fontRef>
+    </dgm:style>
+  </dgm:styleLbl>
+  <dgm:styleLbl name="node2">
+    <dgm:scene3d>
+      <a:camera prst="orthographicFront"/>
+      <a:lightRig rig="threePt" dir="t"/>
+    </dgm:scene3d>
+    <dgm:sp3d/>
+    <dgm:txPr/>
+    <dgm:style>
+      <a:lnRef idx="2">
+        <a:scrgbClr r="0" g="0" b="0"/>
+      </a:lnRef>
+      <a:fillRef idx="1">
+        <a:scrgbClr r="0" g="0" b="0"/>
+      </a:fillRef>
+      <a:effectRef idx="0">
+        <a:scrgbClr r="0" g="0" b="0"/>
+      </a:effectRef>
+      <a:fontRef idx="minor">
+        <a:schemeClr val="lt1"/>
+      </a:fontRef>
+    </dgm:style>
+  </dgm:styleLbl>
+  <dgm:styleLbl name="node3">
+    <dgm:scene3d>
+      <a:camera prst="orthographicFront"/>
+      <a:lightRig rig="threePt" dir="t"/>
+    </dgm:scene3d>
+    <dgm:sp3d/>
+    <dgm:txPr/>
+    <dgm:style>
+      <a:lnRef idx="2">
+        <a:scrgbClr r="0" g="0" b="0"/>
+      </a:lnRef>
+      <a:fillRef idx="1">
+        <a:scrgbClr r="0" g="0" b="0"/>
+      </a:fillRef>
+      <a:effectRef idx="0">
+        <a:scrgbClr r="0" g="0" b="0"/>
+      </a:effectRef>
+      <a:fontRef idx="minor">
+        <a:schemeClr val="lt1"/>
+      </a:fontRef>
+    </dgm:style>
+  </dgm:styleLbl>
+  <dgm:styleLbl name="node4">
+    <dgm:scene3d>
+      <a:camera prst="orthographicFront"/>
+      <a:lightRig rig="threePt" dir="t"/>
+    </dgm:scene3d>
+    <dgm:sp3d/>
+    <dgm:txPr/>
+    <dgm:style>
+      <a:lnRef idx="2">
+        <a:scrgbClr r="0" g="0" b="0"/>
+      </a:lnRef>
+      <a:fillRef idx="1">
+        <a:scrgbClr r="0" g="0" b="0"/>
+      </a:fillRef>
+      <a:effectRef idx="0">
+        <a:scrgbClr r="0" g="0" b="0"/>
+      </a:effectRef>
+      <a:fontRef idx="minor">
+        <a:schemeClr val="lt1"/>
+      </a:fontRef>
+    </dgm:style>
+  </dgm:styleLbl>
+  <dgm:styleLbl name="fgImgPlace1">
+    <dgm:scene3d>
+      <a:camera prst="orthographicFront"/>
+      <a:lightRig rig="threePt" dir="t"/>
+    </dgm:scene3d>
+    <dgm:sp3d/>
+    <dgm:txPr/>
+    <dgm:style>
+      <a:lnRef idx="2">
+        <a:scrgbClr r="0" g="0" b="0"/>
+      </a:lnRef>
+      <a:fillRef idx="1">
+        <a:scrgbClr r="0" g="0" b="0"/>
+      </a:fillRef>
+      <a:effectRef idx="0">
+        <a:scrgbClr r="0" g="0" b="0"/>
+      </a:effectRef>
+      <a:fontRef idx="minor"/>
+    </dgm:style>
+  </dgm:styleLbl>
+  <dgm:styleLbl name="alignImgPlace1">
+    <dgm:scene3d>
+      <a:camera prst="orthographicFront"/>
+      <a:lightRig rig="threePt" dir="t"/>
+    </dgm:scene3d>
+    <dgm:sp3d/>
+    <dgm:txPr/>
+    <dgm:style>
+      <a:lnRef idx="2">
+        <a:scrgbClr r="0" g="0" b="0"/>
+      </a:lnRef>
+      <a:fillRef idx="1">
+        <a:scrgbClr r="0" g="0" b="0"/>
+      </a:fillRef>
+      <a:effectRef idx="0">
+        <a:scrgbClr r="0" g="0" b="0"/>
+      </a:effectRef>
+      <a:fontRef idx="minor"/>
+    </dgm:style>
+  </dgm:styleLbl>
+  <dgm:styleLbl name="bgImgPlace1">
+    <dgm:scene3d>
+      <a:camera prst="orthographicFront"/>
+      <a:lightRig rig="threePt" dir="t"/>
+    </dgm:scene3d>
+    <dgm:sp3d/>
+    <dgm:txPr/>
+    <dgm:style>
+      <a:lnRef idx="2">
+        <a:scrgbClr r="0" g="0" b="0"/>
+      </a:lnRef>
+      <a:fillRef idx="1">
+        <a:scrgbClr r="0" g="0" b="0"/>
+      </a:fillRef>
+      <a:effectRef idx="0">
+        <a:scrgbClr r="0" g="0" b="0"/>
+      </a:effectRef>
+      <a:fontRef idx="minor"/>
+    </dgm:style>
+  </dgm:styleLbl>
+  <dgm:styleLbl name="sibTrans2D1">
+    <dgm:scene3d>
+      <a:camera prst="orthographicFront"/>
+      <a:lightRig rig="threePt" dir="t"/>
+    </dgm:scene3d>
+    <dgm:sp3d/>
+    <dgm:txPr/>
+    <dgm:style>
+      <a:lnRef idx="0">
+        <a:scrgbClr r="0" g="0" b="0"/>
+      </a:lnRef>
+      <a:fillRef idx="1">
+        <a:scrgbClr r="0" g="0" b="0"/>
+      </a:fillRef>
+      <a:effectRef idx="0">
+        <a:scrgbClr r="0" g="0" b="0"/>
+      </a:effectRef>
+      <a:fontRef idx="minor">
+        <a:schemeClr val="lt1"/>
+      </a:fontRef>
+    </dgm:style>
+  </dgm:styleLbl>
+  <dgm:styleLbl name="fgSibTrans2D1">
+    <dgm:scene3d>
+      <a:camera prst="orthographicFront"/>
+      <a:lightRig rig="threePt" dir="t"/>
+    </dgm:scene3d>
+    <dgm:sp3d/>
+    <dgm:txPr/>
+    <dgm:style>
+      <a:lnRef idx="0">
+        <a:scrgbClr r="0" g="0" b="0"/>
+      </a:lnRef>
+      <a:fillRef idx="1">
+        <a:scrgbClr r="0" g="0" b="0"/>
+      </a:fillRef>
+      <a:effectRef idx="0">
+        <a:scrgbClr r="0" g="0" b="0"/>
+      </a:effectRef>
+      <a:fontRef idx="minor">
+        <a:schemeClr val="lt1"/>
+      </a:fontRef>
+    </dgm:style>
+  </dgm:styleLbl>
+  <dgm:styleLbl name="bgSibTrans2D1">
+    <dgm:scene3d>
+      <a:camera prst="orthographicFront"/>
+      <a:lightRig rig="threePt" dir="t"/>
+    </dgm:scene3d>
+    <dgm:sp3d/>
+    <dgm:txPr/>
+    <dgm:style>
+      <a:lnRef idx="0">
+        <a:scrgbClr r="0" g="0" b="0"/>
+      </a:lnRef>
+      <a:fillRef idx="1">
+        <a:scrgbClr r="0" g="0" b="0"/>
+      </a:fillRef>
+      <a:effectRef idx="0">
+        <a:scrgbClr r="0" g="0" b="0"/>
+      </a:effectRef>
+      <a:fontRef idx="minor">
+        <a:schemeClr val="lt1"/>
+      </a:fontRef>
+    </dgm:style>
+  </dgm:styleLbl>
+  <dgm:styleLbl name="sibTrans1D1">
+    <dgm:scene3d>
+      <a:camera prst="orthographicFront"/>
+      <a:lightRig rig="threePt" dir="t"/>
+    </dgm:scene3d>
+    <dgm:sp3d/>
+    <dgm:txPr/>
+    <dgm:style>
+      <a:lnRef idx="1">
+        <a:scrgbClr r="0" g="0" b="0"/>
+      </a:lnRef>
+      <a:fillRef idx="0">
+        <a:scrgbClr r="0" g="0" b="0"/>
+      </a:fillRef>
+      <a:effectRef idx="0">
+        <a:scrgbClr r="0" g="0" b="0"/>
+      </a:effectRef>
+      <a:fontRef idx="minor"/>
+    </dgm:style>
+  </dgm:styleLbl>
+  <dgm:styleLbl name="callout">
+    <dgm:scene3d>
+      <a:camera prst="orthographicFront"/>
+      <a:lightRig rig="threePt" dir="t"/>
+    </dgm:scene3d>
+    <dgm:sp3d/>
+    <dgm:txPr/>
+    <dgm:style>
+      <a:lnRef idx="2">
+        <a:scrgbClr r="0" g="0" b="0"/>
+      </a:lnRef>
+      <a:fillRef idx="1">
+        <a:scrgbClr r="0" g="0" b="0"/>
+      </a:fillRef>
+      <a:effectRef idx="0">
+        <a:scrgbClr r="0" g="0" b="0"/>
+      </a:effectRef>
+      <a:fontRef idx="minor"/>
+    </dgm:style>
+  </dgm:styleLbl>
+  <dgm:styleLbl name="asst0">
+    <dgm:scene3d>
+      <a:camera prst="orthographicFront"/>
+      <a:lightRig rig="threePt" dir="t"/>
+    </dgm:scene3d>
+    <dgm:sp3d/>
+    <dgm:txPr/>
+    <dgm:style>
+      <a:lnRef idx="2">
+        <a:scrgbClr r="0" g="0" b="0"/>
+      </a:lnRef>
+      <a:fillRef idx="1">
+        <a:scrgbClr r="0" g="0" b="0"/>
+      </a:fillRef>
+      <a:effectRef idx="0">
+        <a:scrgbClr r="0" g="0" b="0"/>
+      </a:effectRef>
+      <a:fontRef idx="minor">
+        <a:schemeClr val="lt1"/>
+      </a:fontRef>
+    </dgm:style>
+  </dgm:styleLbl>
+  <dgm:styleLbl name="asst1">
+    <dgm:scene3d>
+      <a:camera prst="orthographicFront"/>
+      <a:lightRig rig="threePt" dir="t"/>
+    </dgm:scene3d>
+    <dgm:sp3d/>
+    <dgm:txPr/>
+    <dgm:style>
+      <a:lnRef idx="2">
+        <a:scrgbClr r="0" g="0" b="0"/>
+      </a:lnRef>
+      <a:fillRef idx="1">
+        <a:scrgbClr r="0" g="0" b="0"/>
+      </a:fillRef>
+      <a:effectRef idx="0">
+        <a:scrgbClr r="0" g="0" b="0"/>
+      </a:effectRef>
+      <a:fontRef idx="minor">
+        <a:schemeClr val="lt1"/>
+      </a:fontRef>
+    </dgm:style>
+  </dgm:styleLbl>
+  <dgm:styleLbl name="asst2">
+    <dgm:scene3d>
+      <a:camera prst="orthographicFront"/>
+      <a:lightRig rig="threePt" dir="t"/>
+    </dgm:scene3d>
+    <dgm:sp3d/>
+    <dgm:txPr/>
+    <dgm:style>
+      <a:lnRef idx="2">
+        <a:scrgbClr r="0" g="0" b="0"/>
+      </a:lnRef>
+      <a:fillRef idx="1">
+        <a:scrgbClr r="0" g="0" b="0"/>
+      </a:fillRef>
+      <a:effectRef idx="0">
+        <a:scrgbClr r="0" g="0" b="0"/>
+      </a:effectRef>
+      <a:fontRef idx="minor">
+        <a:schemeClr val="lt1"/>
+      </a:fontRef>
+    </dgm:style>
+  </dgm:styleLbl>
+  <dgm:styleLbl name="asst3">
+    <dgm:scene3d>
+      <a:camera prst="orthographicFront"/>
+      <a:lightRig rig="threePt" dir="t"/>
+    </dgm:scene3d>
+    <dgm:sp3d/>
+    <dgm:txPr/>
+    <dgm:style>
+      <a:lnRef idx="2">
+        <a:scrgbClr r="0" g="0" b="0"/>
+      </a:lnRef>
+      <a:fillRef idx="1">
+        <a:scrgbClr r="0" g="0" b="0"/>
+      </a:fillRef>
+      <a:effectRef idx="0">
+        <a:scrgbClr r="0" g="0" b="0"/>
+      </a:effectRef>
+      <a:fontRef idx="minor">
+        <a:schemeClr val="lt1"/>
+      </a:fontRef>
+    </dgm:style>
+  </dgm:styleLbl>
+  <dgm:styleLbl name="asst4">
+    <dgm:scene3d>
+      <a:camera prst="orthographicFront"/>
+      <a:lightRig rig="threePt" dir="t"/>
+    </dgm:scene3d>
+    <dgm:sp3d/>
+    <dgm:txPr/>
+    <dgm:style>
+      <a:lnRef idx="2">
+        <a:scrgbClr r="0" g="0" b="0"/>
+      </a:lnRef>
+      <a:fillRef idx="1">
+        <a:scrgbClr r="0" g="0" b="0"/>
+      </a:fillRef>
+      <a:effectRef idx="0">
+        <a:scrgbClr r="0" g="0" b="0"/>
+      </a:effectRef>
+      <a:fontRef idx="minor">
+        <a:schemeClr val="lt1"/>
+      </a:fontRef>
+    </dgm:style>
+  </dgm:styleLbl>
+  <dgm:styleLbl name="parChTrans2D1">
+    <dgm:scene3d>
+      <a:camera prst="orthographicFront"/>
+      <a:lightRig rig="threePt" dir="t"/>
+    </dgm:scene3d>
+    <dgm:sp3d/>
+    <dgm:txPr/>
+    <dgm:style>
+      <a:lnRef idx="2">
+        <a:scrgbClr r="0" g="0" b="0"/>
+      </a:lnRef>
+      <a:fillRef idx="1">
+        <a:scrgbClr r="0" g="0" b="0"/>
+      </a:fillRef>
+      <a:effectRef idx="0">
+        <a:scrgbClr r="0" g="0" b="0"/>
+      </a:effectRef>
+      <a:fontRef idx="minor">
+        <a:schemeClr val="lt1"/>
+      </a:fontRef>
+    </dgm:style>
+  </dgm:styleLbl>
+  <dgm:styleLbl name="parChTrans2D2">
+    <dgm:scene3d>
+      <a:camera prst="orthographicFront"/>
+      <a:lightRig rig="threePt" dir="t"/>
+    </dgm:scene3d>
+    <dgm:sp3d/>
+    <dgm:txPr/>
+    <dgm:style>
+      <a:lnRef idx="2">
+        <a:scrgbClr r="0" g="0" b="0"/>
+      </a:lnRef>
+      <a:fillRef idx="1">
+        <a:scrgbClr r="0" g="0" b="0"/>
+      </a:fillRef>
+      <a:effectRef idx="0">
+        <a:scrgbClr r="0" g="0" b="0"/>
+      </a:effectRef>
+      <a:fontRef idx="minor">
+        <a:schemeClr val="lt1"/>
+      </a:fontRef>
+    </dgm:style>
+  </dgm:styleLbl>
+  <dgm:styleLbl name="parChTrans2D3">
+    <dgm:scene3d>
+      <a:camera prst="orthographicFront"/>
+      <a:lightRig rig="threePt" dir="t"/>
+    </dgm:scene3d>
+    <dgm:sp3d/>
+    <dgm:txPr/>
+    <dgm:style>
+      <a:lnRef idx="2">
+        <a:scrgbClr r="0" g="0" b="0"/>
+      </a:lnRef>
+      <a:fillRef idx="1">
+        <a:scrgbClr r="0" g="0" b="0"/>
+      </a:fillRef>
+      <a:effectRef idx="0">
+        <a:scrgbClr r="0" g="0" b="0"/>
+      </a:effectRef>
+      <a:fontRef idx="minor">
+        <a:schemeClr val="lt1"/>
+      </a:fontRef>
+    </dgm:style>
+  </dgm:styleLbl>
+  <dgm:styleLbl name="parChTrans2D4">
+    <dgm:scene3d>
+      <a:camera prst="orthographicFront"/>
+      <a:lightRig rig="threePt" dir="t"/>
+    </dgm:scene3d>
+    <dgm:sp3d/>
+    <dgm:txPr/>
+    <dgm:style>
+      <a:lnRef idx="2">
+        <a:scrgbClr r="0" g="0" b="0"/>
+      </a:lnRef>
+      <a:fillRef idx="1">
+        <a:scrgbClr r="0" g="0" b="0"/>
+      </a:fillRef>
+      <a:effectRef idx="0">
+        <a:scrgbClr r="0" g="0" b="0"/>
+      </a:effectRef>
+      <a:fontRef idx="minor">
+        <a:schemeClr val="lt1"/>
+      </a:fontRef>
+    </dgm:style>
+  </dgm:styleLbl>
+  <dgm:styleLbl name="parChTrans1D1">
+    <dgm:scene3d>
+      <a:camera prst="orthographicFront"/>
+      <a:lightRig rig="threePt" dir="t"/>
+    </dgm:scene3d>
+    <dgm:sp3d/>
+    <dgm:txPr/>
+    <dgm:style>
+      <a:lnRef idx="2">
+        <a:scrgbClr r="0" g="0" b="0"/>
+      </a:lnRef>
+      <a:fillRef idx="0">
+        <a:scrgbClr r="0" g="0" b="0"/>
+      </a:fillRef>
+      <a:effectRef idx="0">
+        <a:scrgbClr r="0" g="0" b="0"/>
+      </a:effectRef>
+      <a:fontRef idx="minor"/>
+    </dgm:style>
+  </dgm:styleLbl>
+  <dgm:styleLbl name="parChTrans1D2">
+    <dgm:scene3d>
+      <a:camera prst="orthographicFront"/>
+      <a:lightRig rig="threePt" dir="t"/>
+    </dgm:scene3d>
+    <dgm:sp3d/>
+    <dgm:txPr/>
+    <dgm:style>
+      <a:lnRef idx="2">
+        <a:scrgbClr r="0" g="0" b="0"/>
+      </a:lnRef>
+      <a:fillRef idx="0">
+        <a:scrgbClr r="0" g="0" b="0"/>
+      </a:fillRef>
+      <a:effectRef idx="0">
+        <a:scrgbClr r="0" g="0" b="0"/>
+      </a:effectRef>
+      <a:fontRef idx="minor"/>
+    </dgm:style>
+  </dgm:styleLbl>
+  <dgm:styleLbl name="parChTrans1D3">
+    <dgm:scene3d>
+      <a:camera prst="orthographicFront"/>
+      <a:lightRig rig="threePt" dir="t"/>
+    </dgm:scene3d>
+    <dgm:sp3d/>
+    <dgm:txPr/>
+    <dgm:style>
+      <a:lnRef idx="2">
+        <a:scrgbClr r="0" g="0" b="0"/>
+      </a:lnRef>
+      <a:fillRef idx="0">
+        <a:scrgbClr r="0" g="0" b="0"/>
+      </a:fillRef>
+      <a:effectRef idx="0">
+        <a:scrgbClr r="0" g="0" b="0"/>
+      </a:effectRef>
+      <a:fontRef idx="minor"/>
+    </dgm:style>
+  </dgm:styleLbl>
+  <dgm:styleLbl name="parChTrans1D4">
+    <dgm:scene3d>
+      <a:camera prst="orthographicFront"/>
+      <a:lightRig rig="threePt" dir="t"/>
+    </dgm:scene3d>
+    <dgm:sp3d/>
+    <dgm:txPr/>
+    <dgm:style>
+      <a:lnRef idx="2">
+        <a:scrgbClr r="0" g="0" b="0"/>
+      </a:lnRef>
+      <a:fillRef idx="0">
+        <a:scrgbClr r="0" g="0" b="0"/>
+      </a:fillRef>
+      <a:effectRef idx="0">
+        <a:scrgbClr r="0" g="0" b="0"/>
+      </a:effectRef>
+      <a:fontRef idx="minor"/>
+    </dgm:style>
+  </dgm:styleLbl>
+  <dgm:styleLbl name="fgAcc1">
+    <dgm:scene3d>
+      <a:camera prst="orthographicFront"/>
+      <a:lightRig rig="threePt" dir="t"/>
+    </dgm:scene3d>
+    <dgm:sp3d/>
+    <dgm:txPr/>
+    <dgm:style>
+      <a:lnRef idx="2">
+        <a:scrgbClr r="0" g="0" b="0"/>
+      </a:lnRef>
+      <a:fillRef idx="1">
+        <a:scrgbClr r="0" g="0" b="0"/>
+      </a:fillRef>
+      <a:effectRef idx="0">
+        <a:scrgbClr r="0" g="0" b="0"/>
+      </a:effectRef>
+      <a:fontRef idx="minor"/>
+    </dgm:style>
+  </dgm:styleLbl>
+  <dgm:styleLbl name="conFgAcc1">
+    <dgm:scene3d>
+      <a:camera prst="orthographicFront"/>
+      <a:lightRig rig="threePt" dir="t"/>
+    </dgm:scene3d>
+    <dgm:sp3d/>
+    <dgm:txPr/>
+    <dgm:style>
+      <a:lnRef idx="2">
+        <a:scrgbClr r="0" g="0" b="0"/>
+      </a:lnRef>
+      <a:fillRef idx="1">
+        <a:scrgbClr r="0" g="0" b="0"/>
+      </a:fillRef>
+      <a:effectRef idx="0">
+        <a:scrgbClr r="0" g="0" b="0"/>
+      </a:effectRef>
+      <a:fontRef idx="minor"/>
+    </dgm:style>
+  </dgm:styleLbl>
+  <dgm:styleLbl name="alignAcc1">
+    <dgm:scene3d>
+      <a:camera prst="orthographicFront"/>
+      <a:lightRig rig="threePt" dir="t"/>
+    </dgm:scene3d>
+    <dgm:sp3d/>
+    <dgm:txPr/>
+    <dgm:style>
+      <a:lnRef idx="2">
+        <a:scrgbClr r="0" g="0" b="0"/>
+      </a:lnRef>
+      <a:fillRef idx="1">
+        <a:scrgbClr r="0" g="0" b="0"/>
+      </a:fillRef>
+      <a:effectRef idx="0">
+        <a:scrgbClr r="0" g="0" b="0"/>
+      </a:effectRef>
+      <a:fontRef idx="minor"/>
+    </dgm:style>
+  </dgm:styleLbl>
+  <dgm:styleLbl name="trAlignAcc1">
+    <dgm:scene3d>
+      <a:camera prst="orthographicFront"/>
+      <a:lightRig rig="threePt" dir="t"/>
+    </dgm:scene3d>
+    <dgm:sp3d/>
+    <dgm:txPr/>
+    <dgm:style>
+      <a:lnRef idx="1">
+        <a:scrgbClr r="0" g="0" b="0"/>
+      </a:lnRef>
+      <a:fillRef idx="1">
+        <a:scrgbClr r="0" g="0" b="0"/>
+      </a:fillRef>
+      <a:effectRef idx="0">
+        <a:scrgbClr r="0" g="0" b="0"/>
+      </a:effectRef>
+      <a:fontRef idx="minor"/>
+    </dgm:style>
+  </dgm:styleLbl>
+  <dgm:styleLbl name="bgAcc1">
+    <dgm:scene3d>
+      <a:camera prst="orthographicFront"/>
+      <a:lightRig rig="threePt" dir="t"/>
+    </dgm:scene3d>
+    <dgm:sp3d/>
+    <dgm:txPr/>
+    <dgm:style>
+      <a:lnRef idx="2">
+        <a:scrgbClr r="0" g="0" b="0"/>
+      </a:lnRef>
+      <a:fillRef idx="1">
+        <a:scrgbClr r="0" g="0" b="0"/>
+      </a:fillRef>
+      <a:effectRef idx="0">
+        <a:scrgbClr r="0" g="0" b="0"/>
+      </a:effectRef>
+      <a:fontRef idx="minor"/>
+    </dgm:style>
+  </dgm:styleLbl>
+  <dgm:styleLbl name="solidFgAcc1">
+    <dgm:scene3d>
+      <a:camera prst="orthographicFront"/>
+      <a:lightRig rig="threePt" dir="t"/>
+    </dgm:scene3d>
+    <dgm:sp3d/>
+    <dgm:txPr/>
+    <dgm:style>
+      <a:lnRef idx="2">
+        <a:scrgbClr r="0" g="0" b="0"/>
+      </a:lnRef>
+      <a:fillRef idx="1">
+        <a:scrgbClr r="0" g="0" b="0"/>
+      </a:fillRef>
+      <a:effectRef idx="0">
+        <a:scrgbClr r="0" g="0" b="0"/>
+      </a:effectRef>
+      <a:fontRef idx="minor"/>
+    </dgm:style>
+  </dgm:styleLbl>
+  <dgm:styleLbl name="solidAlignAcc1">
+    <dgm:scene3d>
+      <a:camera prst="orthographicFront"/>
+      <a:lightRig rig="threePt" dir="t"/>
+    </dgm:scene3d>
+    <dgm:sp3d/>
+    <dgm:txPr/>
+    <dgm:style>
+      <a:lnRef idx="2">
+        <a:scrgbClr r="0" g="0" b="0"/>
+      </a:lnRef>
+      <a:fillRef idx="1">
+        <a:scrgbClr r="0" g="0" b="0"/>
+      </a:fillRef>
+      <a:effectRef idx="0">
+        <a:scrgbClr r="0" g="0" b="0"/>
+      </a:effectRef>
+      <a:fontRef idx="minor"/>
+    </dgm:style>
+  </dgm:styleLbl>
+  <dgm:styleLbl name="solidBgAcc1">
+    <dgm:scene3d>
+      <a:camera prst="orthographicFront"/>
+      <a:lightRig rig="threePt" dir="t"/>
+    </dgm:scene3d>
+    <dgm:sp3d/>
+    <dgm:txPr/>
+    <dgm:style>
+      <a:lnRef idx="2">
+        <a:scrgbClr r="0" g="0" b="0"/>
+      </a:lnRef>
+      <a:fillRef idx="1">
+        <a:scrgbClr r="0" g="0" b="0"/>
+      </a:fillRef>
+      <a:effectRef idx="0">
+        <a:scrgbClr r="0" g="0" b="0"/>
+      </a:effectRef>
+      <a:fontRef idx="minor"/>
+    </dgm:style>
+  </dgm:styleLbl>
+  <dgm:styleLbl name="fgAccFollowNode1">
+    <dgm:scene3d>
+      <a:camera prst="orthographicFront"/>
+      <a:lightRig rig="threePt" dir="t"/>
+    </dgm:scene3d>
+    <dgm:sp3d/>
+    <dgm:txPr/>
+    <dgm:style>
+      <a:lnRef idx="2">
+        <a:scrgbClr r="0" g="0" b="0"/>
+      </a:lnRef>
+      <a:fillRef idx="1">
+        <a:scrgbClr r="0" g="0" b="0"/>
+      </a:fillRef>
+      <a:effectRef idx="0">
+        <a:scrgbClr r="0" g="0" b="0"/>
+      </a:effectRef>
+      <a:fontRef idx="minor"/>
+    </dgm:style>
+  </dgm:styleLbl>
+  <dgm:styleLbl name="alignAccFollowNode1">
+    <dgm:scene3d>
+      <a:camera prst="orthographicFront"/>
+      <a:lightRig rig="threePt" dir="t"/>
+    </dgm:scene3d>
+    <dgm:sp3d/>
+    <dgm:txPr/>
+    <dgm:style>
+      <a:lnRef idx="2">
+        <a:scrgbClr r="0" g="0" b="0"/>
+      </a:lnRef>
+      <a:fillRef idx="1">
+        <a:scrgbClr r="0" g="0" b="0"/>
+      </a:fillRef>
+      <a:effectRef idx="0">
+        <a:scrgbClr r="0" g="0" b="0"/>
+      </a:effectRef>
+      <a:fontRef idx="minor"/>
+    </dgm:style>
+  </dgm:styleLbl>
+  <dgm:styleLbl name="bgAccFollowNode1">
+    <dgm:scene3d>
+      <a:camera prst="orthographicFront"/>
+      <a:lightRig rig="threePt" dir="t"/>
+    </dgm:scene3d>
+    <dgm:sp3d/>
+    <dgm:txPr/>
+    <dgm:style>
+      <a:lnRef idx="2">
+        <a:scrgbClr r="0" g="0" b="0"/>
+      </a:lnRef>
+      <a:fillRef idx="1">
+        <a:scrgbClr r="0" g="0" b="0"/>
+      </a:fillRef>
+      <a:effectRef idx="0">
+        <a:scrgbClr r="0" g="0" b="0"/>
+      </a:effectRef>
+      <a:fontRef idx="minor"/>
+    </dgm:style>
+  </dgm:styleLbl>
+  <dgm:styleLbl name="fgAcc0">
+    <dgm:scene3d>
+      <a:camera prst="orthographicFront"/>
+      <a:lightRig rig="threePt" dir="t"/>
+    </dgm:scene3d>
+    <dgm:sp3d/>
+    <dgm:txPr/>
+    <dgm:style>
+      <a:lnRef idx="2">
+        <a:scrgbClr r="0" g="0" b="0"/>
+      </a:lnRef>
+      <a:fillRef idx="1">
+        <a:scrgbClr r="0" g="0" b="0"/>
+      </a:fillRef>
+      <a:effectRef idx="0">
+        <a:scrgbClr r="0" g="0" b="0"/>
+      </a:effectRef>
+      <a:fontRef idx="minor"/>
+    </dgm:style>
+  </dgm:styleLbl>
+  <dgm:styleLbl name="fgAcc2">
+    <dgm:scene3d>
+      <a:camera prst="orthographicFront"/>
+      <a:lightRig rig="threePt" dir="t"/>
+    </dgm:scene3d>
+    <dgm:sp3d/>
+    <dgm:txPr/>
+    <dgm:style>
+      <a:lnRef idx="2">
+        <a:scrgbClr r="0" g="0" b="0"/>
+      </a:lnRef>
+      <a:fillRef idx="1">
+        <a:scrgbClr r="0" g="0" b="0"/>
+      </a:fillRef>
+      <a:effectRef idx="0">
+        <a:scrgbClr r="0" g="0" b="0"/>
+      </a:effectRef>
+      <a:fontRef idx="minor"/>
+    </dgm:style>
+  </dgm:styleLbl>
+  <dgm:styleLbl name="fgAcc3">
+    <dgm:scene3d>
+      <a:camera prst="orthographicFront"/>
+      <a:lightRig rig="threePt" dir="t"/>
+    </dgm:scene3d>
+    <dgm:sp3d/>
+    <dgm:txPr/>
+    <dgm:style>
+      <a:lnRef idx="2">
+        <a:scrgbClr r="0" g="0" b="0"/>
+      </a:lnRef>
+      <a:fillRef idx="1">
+        <a:scrgbClr r="0" g="0" b="0"/>
+      </a:fillRef>
+      <a:effectRef idx="0">
+        <a:scrgbClr r="0" g="0" b="0"/>
+      </a:effectRef>
+      <a:fontRef idx="minor"/>
+    </dgm:style>
+  </dgm:styleLbl>
+  <dgm:styleLbl name="fgAcc4">
+    <dgm:scene3d>
+      <a:camera prst="orthographicFront"/>
+      <a:lightRig rig="threePt" dir="t"/>
+    </dgm:scene3d>
+    <dgm:sp3d/>
+    <dgm:txPr/>
+    <dgm:style>
+      <a:lnRef idx="2">
+        <a:scrgbClr r="0" g="0" b="0"/>
+      </a:lnRef>
+      <a:fillRef idx="1">
+        <a:scrgbClr r="0" g="0" b="0"/>
+      </a:fillRef>
+      <a:effectRef idx="0">
+        <a:scrgbClr r="0" g="0" b="0"/>
+      </a:effectRef>
+      <a:fontRef idx="minor"/>
+    </dgm:style>
+  </dgm:styleLbl>
+  <dgm:styleLbl name="bgShp">
+    <dgm:scene3d>
+      <a:camera prst="orthographicFront"/>
+      <a:lightRig rig="threePt" dir="t"/>
+    </dgm:scene3d>
+    <dgm:sp3d/>
+    <dgm:txPr/>
+    <dgm:style>
+      <a:lnRef idx="0">
+        <a:scrgbClr r="0" g="0" b="0"/>
+      </a:lnRef>
+      <a:fillRef idx="1">
+        <a:scrgbClr r="0" g="0" b="0"/>
+      </a:fillRef>
+      <a:effectRef idx="0">
+        <a:scrgbClr r="0" g="0" b="0"/>
+      </a:effectRef>
+      <a:fontRef idx="minor"/>
+    </dgm:style>
+  </dgm:styleLbl>
+  <dgm:styleLbl name="dkBgShp">
+    <dgm:scene3d>
+      <a:camera prst="orthographicFront"/>
+      <a:lightRig rig="threePt" dir="t"/>
+    </dgm:scene3d>
+    <dgm:sp3d/>
+    <dgm:txPr/>
+    <dgm:style>
+      <a:lnRef idx="0">
+        <a:scrgbClr r="0" g="0" b="0"/>
+      </a:lnRef>
+      <a:fillRef idx="1">
+        <a:scrgbClr r="0" g="0" b="0"/>
+      </a:fillRef>
+      <a:effectRef idx="0">
+        <a:scrgbClr r="0" g="0" b="0"/>
+      </a:effectRef>
+      <a:fontRef idx="minor"/>
+    </dgm:style>
+  </dgm:styleLbl>
+  <dgm:styleLbl name="trBgShp">
+    <dgm:scene3d>
+      <a:camera prst="orthographicFront"/>
+      <a:lightRig rig="threePt" dir="t"/>
+    </dgm:scene3d>
+    <dgm:sp3d/>
+    <dgm:txPr/>
+    <dgm:style>
+      <a:lnRef idx="0">
+        <a:scrgbClr r="0" g="0" b="0"/>
+      </a:lnRef>
+      <a:fillRef idx="1">
+        <a:scrgbClr r="0" g="0" b="0"/>
+      </a:fillRef>
+      <a:effectRef idx="0">
+        <a:scrgbClr r="0" g="0" b="0"/>
+      </a:effectRef>
+      <a:fontRef idx="minor"/>
+    </dgm:style>
+  </dgm:styleLbl>
+  <dgm:styleLbl name="fgShp">
+    <dgm:scene3d>
+      <a:camera prst="orthographicFront"/>
+      <a:lightRig rig="threePt" dir="t"/>
+    </dgm:scene3d>
+    <dgm:sp3d/>
+    <dgm:txPr/>
+    <dgm:style>
+      <a:lnRef idx="2">
+        <a:scrgbClr r="0" g="0" b="0"/>
+      </a:lnRef>
+      <a:fillRef idx="1">
+        <a:scrgbClr r="0" g="0" b="0"/>
+      </a:fillRef>
+      <a:effectRef idx="0">
+        <a:scrgbClr r="0" g="0" b="0"/>
+      </a:effectRef>
+      <a:fontRef idx="minor"/>
+    </dgm:style>
+  </dgm:styleLbl>
+  <dgm:styleLbl name="revTx">
+    <dgm:scene3d>
+      <a:camera prst="orthographicFront"/>
+      <a:lightRig rig="threePt" dir="t"/>
+    </dgm:scene3d>
+    <dgm:sp3d/>
+    <dgm:txPr/>
+    <dgm:style>
+      <a:lnRef idx="0">
+        <a:scrgbClr r="0" g="0" b="0"/>
+      </a:lnRef>
+      <a:fillRef idx="0">
+        <a:scrgbClr r="0" g="0" b="0"/>
+      </a:fillRef>
+      <a:effectRef idx="0">
+        <a:scrgbClr r="0" g="0" b="0"/>
+      </a:effectRef>
+      <a:fontRef idx="minor"/>
+    </dgm:style>
+  </dgm:styleLbl>
+</dgm:styleDef>
+</file>
+
+<file path=ppt/diagrams/quickStyle2.xml><?xml version="1.0" encoding="utf-8"?>
 <dgm:styleDef xmlns:dgm="http://schemas.openxmlformats.org/drawingml/2006/diagram" xmlns:a="http://schemas.openxmlformats.org/drawingml/2006/main" uniqueId="urn:microsoft.com/office/officeart/2005/8/quickstyle/simple1">
   <dgm:title val=""/>
   <dgm:desc val=""/>
@@ -7686,6 +9976,225 @@
 </p:sld>
 </file>
 
+<file path=ppt/slides/slide11.xml><?xml version="1.0" encoding="utf-8"?>
+<p:sld xmlns:a="http://schemas.openxmlformats.org/drawingml/2006/main" xmlns:r="http://schemas.openxmlformats.org/officeDocument/2006/relationships" xmlns:p="http://schemas.openxmlformats.org/presentationml/2006/main">
+  <p:cSld>
+    <p:bg>
+      <p:bgPr>
+        <a:solidFill>
+          <a:schemeClr val="bg1"/>
+        </a:solidFill>
+        <a:effectLst/>
+      </p:bgPr>
+    </p:bg>
+    <p:spTree>
+      <p:nvGrpSpPr>
+        <p:cNvPr id="1" name=""/>
+        <p:cNvGrpSpPr/>
+        <p:nvPr/>
+      </p:nvGrpSpPr>
+      <p:grpSpPr>
+        <a:xfrm>
+          <a:off x="0" y="0"/>
+          <a:ext cx="0" cy="0"/>
+          <a:chOff x="0" y="0"/>
+          <a:chExt cx="0" cy="0"/>
+        </a:xfrm>
+      </p:grpSpPr>
+      <p:pic>
+        <p:nvPicPr>
+          <p:cNvPr id="6" name="Picture 5" descr="Background pattern&#10;&#10;Description automatically generated">
+            <a:extLst>
+              <a:ext uri="{FF2B5EF4-FFF2-40B4-BE49-F238E27FC236}">
+                <a16:creationId xmlns:a16="http://schemas.microsoft.com/office/drawing/2014/main" id="{838CAB3D-4E84-4C9C-9F06-5C27A3E1BFA0}"/>
+              </a:ext>
+            </a:extLst>
+          </p:cNvPr>
+          <p:cNvPicPr>
+            <a:picLocks noChangeAspect="1"/>
+          </p:cNvPicPr>
+          <p:nvPr/>
+        </p:nvPicPr>
+        <p:blipFill rotWithShape="1">
+          <a:blip r:embed="rId2">
+            <a:duotone>
+              <a:schemeClr val="bg2">
+                <a:shade val="45000"/>
+                <a:satMod val="135000"/>
+              </a:schemeClr>
+              <a:prstClr val="white"/>
+            </a:duotone>
+          </a:blip>
+          <a:srcRect t="15537" b="2046"/>
+          <a:stretch/>
+        </p:blipFill>
+        <p:spPr>
+          <a:xfrm>
+            <a:off x="20" y="10"/>
+            <a:ext cx="12191980" cy="6857990"/>
+          </a:xfrm>
+          <a:prstGeom prst="rect">
+            <a:avLst/>
+          </a:prstGeom>
+        </p:spPr>
+      </p:pic>
+      <p:sp>
+        <p:nvSpPr>
+          <p:cNvPr id="10" name="Rectangle 9">
+            <a:extLst>
+              <a:ext uri="{FF2B5EF4-FFF2-40B4-BE49-F238E27FC236}">
+                <a16:creationId xmlns:a16="http://schemas.microsoft.com/office/drawing/2014/main" id="{B50AB553-2A96-4A92-96F2-93548E096954}"/>
+              </a:ext>
+              <a:ext uri="{C183D7F6-B498-43B3-948B-1728B52AA6E4}">
+                <adec:decorative xmlns:adec="http://schemas.microsoft.com/office/drawing/2017/decorative" val="1"/>
+              </a:ext>
+            </a:extLst>
+          </p:cNvPr>
+          <p:cNvSpPr>
+            <a:spLocks noGrp="1" noRot="1" noChangeAspect="1" noMove="1" noResize="1" noEditPoints="1" noAdjustHandles="1" noChangeArrowheads="1" noChangeShapeType="1" noTextEdit="1"/>
+          </p:cNvSpPr>
+          <p:nvPr>
+            <p:extLst>
+              <p:ext uri="{386F3935-93C4-4BCD-93E2-E3B085C9AB24}">
+                <p16:designElem xmlns:p16="http://schemas.microsoft.com/office/powerpoint/2015/main" val="1"/>
+              </p:ext>
+            </p:extLst>
+          </p:nvPr>
+        </p:nvSpPr>
+        <p:spPr>
+          <a:xfrm>
+            <a:off x="0" y="0"/>
+            <a:ext cx="12192000" cy="6858000"/>
+          </a:xfrm>
+          <a:prstGeom prst="rect">
+            <a:avLst/>
+          </a:prstGeom>
+          <a:gradFill>
+            <a:gsLst>
+              <a:gs pos="10000">
+                <a:schemeClr val="bg2">
+                  <a:alpha val="68000"/>
+                </a:schemeClr>
+              </a:gs>
+              <a:gs pos="85000">
+                <a:schemeClr val="bg2">
+                  <a:alpha val="97000"/>
+                </a:schemeClr>
+              </a:gs>
+            </a:gsLst>
+            <a:path path="circle">
+              <a:fillToRect l="50000" t="50000" r="50000" b="50000"/>
+            </a:path>
+          </a:gradFill>
+          <a:ln>
+            <a:noFill/>
+          </a:ln>
+        </p:spPr>
+        <p:style>
+          <a:lnRef idx="2">
+            <a:schemeClr val="accent1">
+              <a:shade val="50000"/>
+            </a:schemeClr>
+          </a:lnRef>
+          <a:fillRef idx="1">
+            <a:schemeClr val="accent1"/>
+          </a:fillRef>
+          <a:effectRef idx="0">
+            <a:schemeClr val="accent1"/>
+          </a:effectRef>
+          <a:fontRef idx="minor">
+            <a:schemeClr val="lt1"/>
+          </a:fontRef>
+        </p:style>
+        <p:txBody>
+          <a:bodyPr rtlCol="0" anchor="ctr"/>
+          <a:lstStyle/>
+          <a:p>
+            <a:pPr algn="ctr"/>
+            <a:endParaRPr lang="en-US"/>
+          </a:p>
+        </p:txBody>
+      </p:sp>
+      <p:sp>
+        <p:nvSpPr>
+          <p:cNvPr id="2" name="Title 1">
+            <a:extLst>
+              <a:ext uri="{FF2B5EF4-FFF2-40B4-BE49-F238E27FC236}">
+                <a16:creationId xmlns:a16="http://schemas.microsoft.com/office/drawing/2014/main" id="{A8DD9A25-A5DF-1940-BEB8-8578AE6A8A15}"/>
+              </a:ext>
+            </a:extLst>
+          </p:cNvPr>
+          <p:cNvSpPr>
+            <a:spLocks noGrp="1"/>
+          </p:cNvSpPr>
+          <p:nvPr>
+            <p:ph type="title"/>
+          </p:nvPr>
+        </p:nvSpPr>
+        <p:spPr>
+          <a:xfrm>
+            <a:off x="838200" y="365125"/>
+            <a:ext cx="10515600" cy="1325563"/>
+          </a:xfrm>
+        </p:spPr>
+        <p:txBody>
+          <a:bodyPr>
+            <a:normAutofit/>
+          </a:bodyPr>
+          <a:lstStyle/>
+          <a:p>
+            <a:r>
+              <a:rPr lang="en-US" b="1" dirty="0"/>
+              <a:t>Random Forests</a:t>
+            </a:r>
+            <a:endParaRPr lang="en-US"/>
+          </a:p>
+        </p:txBody>
+      </p:sp>
+      <p:graphicFrame>
+        <p:nvGraphicFramePr>
+          <p:cNvPr id="5" name="Content Placeholder 2">
+            <a:extLst>
+              <a:ext uri="{FF2B5EF4-FFF2-40B4-BE49-F238E27FC236}">
+                <a16:creationId xmlns:a16="http://schemas.microsoft.com/office/drawing/2014/main" id="{23AF9B11-2EFB-4F21-A716-31C926482B11}"/>
+              </a:ext>
+            </a:extLst>
+          </p:cNvPr>
+          <p:cNvGraphicFramePr>
+            <a:graphicFrameLocks noGrp="1"/>
+          </p:cNvGraphicFramePr>
+          <p:nvPr>
+            <p:ph idx="1"/>
+            <p:extLst>
+              <p:ext uri="{D42A27DB-BD31-4B8C-83A1-F6EECF244321}">
+                <p14:modId xmlns:p14="http://schemas.microsoft.com/office/powerpoint/2010/main" val="3024253160"/>
+              </p:ext>
+            </p:extLst>
+          </p:nvPr>
+        </p:nvGraphicFramePr>
+        <p:xfrm>
+          <a:off x="838200" y="1825625"/>
+          <a:ext cx="10515600" cy="4351338"/>
+        </p:xfrm>
+        <a:graphic>
+          <a:graphicData uri="http://schemas.openxmlformats.org/drawingml/2006/diagram">
+            <dgm:relIds xmlns:dgm="http://schemas.openxmlformats.org/drawingml/2006/diagram" xmlns:r="http://schemas.openxmlformats.org/officeDocument/2006/relationships" r:dm="rId3" r:lo="rId4" r:qs="rId5" r:cs="rId6"/>
+          </a:graphicData>
+        </a:graphic>
+      </p:graphicFrame>
+    </p:spTree>
+    <p:extLst>
+      <p:ext uri="{BB962C8B-B14F-4D97-AF65-F5344CB8AC3E}">
+        <p14:creationId xmlns:p14="http://schemas.microsoft.com/office/powerpoint/2010/main" val="2382262962"/>
+      </p:ext>
+    </p:extLst>
+  </p:cSld>
+  <p:clrMapOvr>
+    <a:masterClrMapping/>
+  </p:clrMapOvr>
+</p:sld>
+</file>
+
 <file path=ppt/slides/slide2.xml><?xml version="1.0" encoding="utf-8"?>
 <p:sld xmlns:a="http://schemas.openxmlformats.org/drawingml/2006/main" xmlns:r="http://schemas.openxmlformats.org/officeDocument/2006/relationships" xmlns:p="http://schemas.openxmlformats.org/presentationml/2006/main">
   <p:cSld>
